--- a/模块一作业/学生管理系统.pptx
+++ b/模块一作业/学生管理系统.pptx
@@ -7,6 +7,9 @@
   <p:sldIdLst>
     <p:sldId id="256" r:id="rId3"/>
     <p:sldId id="258" r:id="rId4"/>
+    <p:sldId id="259" r:id="rId5"/>
+    <p:sldId id="260" r:id="rId6"/>
+    <p:sldId id="261" r:id="rId7"/>
   </p:sldIdLst>
   <p:sldSz cx="12192000" cy="6858000"/>
   <p:notesSz cx="7103745" cy="10234295"/>
@@ -2631,8 +2634,8 @@
         </p:nvSpPr>
         <p:spPr>
           <a:xfrm>
-            <a:off x="702310" y="685800"/>
-            <a:ext cx="10810240" cy="5290185"/>
+            <a:off x="690880" y="1055370"/>
+            <a:ext cx="10810240" cy="4746625"/>
           </a:xfrm>
         </p:spPr>
         <p:txBody>
@@ -2642,130 +2645,425 @@
           <a:p>
             <a:pPr algn="l"/>
             <a:r>
-              <a:rPr lang="en-US" altLang="zh-CN" sz="1800"/>
-              <a:t>                                   </a:t>
-            </a:r>
-            <a:r>
-              <a:rPr lang="zh-CN" altLang="en-US" sz="1800"/>
-              <a:t>“学生管理系统”毕设架构设计</a:t>
-            </a:r>
-            <a:endParaRPr lang="zh-CN" altLang="en-US" sz="1800"/>
+              <a:rPr lang="zh-CN" altLang="en-US" sz="1800">
+                <a:latin typeface="微软雅黑" charset="0"/>
+                <a:ea typeface="微软雅黑" charset="0"/>
+                <a:cs typeface="微软雅黑" charset="0"/>
+              </a:rPr>
+              <a:t>假设今年学校毕业设计要求提升，要求做真正可运行的学生管理系统，学院对毕设的具体要求如下： </a:t>
+            </a:r>
+            <a:endParaRPr lang="zh-CN" altLang="en-US" sz="1800">
+              <a:latin typeface="微软雅黑" charset="0"/>
+              <a:ea typeface="微软雅黑" charset="0"/>
+              <a:cs typeface="微软雅黑" charset="0"/>
+            </a:endParaRPr>
           </a:p>
           <a:p>
             <a:pPr algn="l"/>
-            <a:endParaRPr lang="zh-CN" altLang="en-US" sz="1800"/>
+            <a:r>
+              <a:rPr lang="zh-CN" altLang="en-US" sz="1800">
+                <a:latin typeface="微软雅黑" charset="0"/>
+                <a:ea typeface="微软雅黑" charset="0"/>
+                <a:cs typeface="微软雅黑" charset="0"/>
+              </a:rPr>
+              <a:t>① 要求可以通过公网域名访问； </a:t>
+            </a:r>
+            <a:endParaRPr lang="zh-CN" altLang="en-US" sz="1800">
+              <a:latin typeface="微软雅黑" charset="0"/>
+              <a:ea typeface="微软雅黑" charset="0"/>
+              <a:cs typeface="微软雅黑" charset="0"/>
+            </a:endParaRPr>
           </a:p>
           <a:p>
             <a:pPr algn="l"/>
             <a:r>
-              <a:rPr lang="zh-CN" altLang="en-US" sz="1800"/>
-              <a:t>假设今年学校毕业设计要求提升，要求做真正可运行的学生管理系统，学院对毕设的具体要求如下： </a:t>
-            </a:r>
-            <a:endParaRPr lang="zh-CN" altLang="en-US" sz="1800"/>
+              <a:rPr lang="zh-CN" altLang="en-US" sz="1800">
+                <a:latin typeface="微软雅黑" charset="0"/>
+                <a:ea typeface="微软雅黑" charset="0"/>
+                <a:cs typeface="微软雅黑" charset="0"/>
+              </a:rPr>
+              <a:t>② 要求至少 3 人合作完成； </a:t>
+            </a:r>
+            <a:endParaRPr lang="zh-CN" altLang="en-US" sz="1800">
+              <a:latin typeface="微软雅黑" charset="0"/>
+              <a:ea typeface="微软雅黑" charset="0"/>
+              <a:cs typeface="微软雅黑" charset="0"/>
+            </a:endParaRPr>
           </a:p>
           <a:p>
             <a:pPr algn="l"/>
             <a:r>
-              <a:rPr lang="zh-CN" altLang="en-US" sz="1800"/>
-              <a:t>① 要求可以通过公网域名访问； </a:t>
-            </a:r>
-            <a:endParaRPr lang="zh-CN" altLang="en-US" sz="1800"/>
+              <a:rPr lang="zh-CN" altLang="en-US" sz="1800">
+                <a:latin typeface="微软雅黑" charset="0"/>
+                <a:ea typeface="微软雅黑" charset="0"/>
+                <a:cs typeface="微软雅黑" charset="0"/>
+              </a:rPr>
+              <a:t>③ 能够支撑管理 1000 个学生； </a:t>
+            </a:r>
+            <a:endParaRPr lang="zh-CN" altLang="en-US" sz="1800">
+              <a:latin typeface="微软雅黑" charset="0"/>
+              <a:ea typeface="微软雅黑" charset="0"/>
+              <a:cs typeface="微软雅黑" charset="0"/>
+            </a:endParaRPr>
           </a:p>
           <a:p>
             <a:pPr algn="l"/>
             <a:r>
-              <a:rPr lang="zh-CN" altLang="en-US" sz="1800"/>
-              <a:t>② 要求至少 3 人合作完成； </a:t>
-            </a:r>
-            <a:endParaRPr lang="zh-CN" altLang="en-US" sz="1800"/>
+              <a:rPr lang="zh-CN" altLang="en-US" sz="1800">
+                <a:latin typeface="微软雅黑" charset="0"/>
+                <a:ea typeface="微软雅黑" charset="0"/>
+                <a:cs typeface="微软雅黑" charset="0"/>
+              </a:rPr>
+              <a:t>④ 答辩的时候会根据架构方案来进行打分，不推荐太简单和太复杂的方案。</a:t>
+            </a:r>
+            <a:endParaRPr lang="zh-CN" altLang="en-US" sz="1800">
+              <a:latin typeface="微软雅黑" charset="0"/>
+              <a:ea typeface="微软雅黑" charset="0"/>
+              <a:cs typeface="微软雅黑" charset="0"/>
+            </a:endParaRPr>
           </a:p>
           <a:p>
             <a:pPr algn="l"/>
             <a:r>
-              <a:rPr lang="zh-CN" altLang="en-US" sz="1800"/>
-              <a:t>③ 能够支撑管理 1000 个学生； </a:t>
-            </a:r>
-            <a:endParaRPr lang="zh-CN" altLang="en-US" sz="1800"/>
+              <a:rPr lang="zh-CN" altLang="en-US" sz="1800">
+                <a:latin typeface="微软雅黑" charset="0"/>
+                <a:ea typeface="微软雅黑" charset="0"/>
+                <a:cs typeface="微软雅黑" charset="0"/>
+              </a:rPr>
+              <a:t> </a:t>
+            </a:r>
+            <a:endParaRPr lang="zh-CN" altLang="en-US" sz="1800">
+              <a:latin typeface="微软雅黑" charset="0"/>
+              <a:ea typeface="微软雅黑" charset="0"/>
+              <a:cs typeface="微软雅黑" charset="0"/>
+            </a:endParaRPr>
           </a:p>
           <a:p>
             <a:pPr algn="l"/>
             <a:r>
-              <a:rPr lang="zh-CN" altLang="en-US" sz="1800"/>
-              <a:t>④ 答辩的时候会根据架构方案来进行打分，不推荐太简单和太复杂的方案。</a:t>
-            </a:r>
-            <a:endParaRPr lang="zh-CN" altLang="en-US" sz="1800"/>
+              <a:rPr lang="zh-CN" altLang="en-US" sz="1800">
+                <a:latin typeface="微软雅黑" charset="0"/>
+                <a:ea typeface="微软雅黑" charset="0"/>
+                <a:cs typeface="微软雅黑" charset="0"/>
+              </a:rPr>
+              <a:t>你找了 2 个好朋友一起来做这个项目，你们的基本情况如下： </a:t>
+            </a:r>
+            <a:endParaRPr lang="zh-CN" altLang="en-US" sz="1800">
+              <a:latin typeface="微软雅黑" charset="0"/>
+              <a:ea typeface="微软雅黑" charset="0"/>
+              <a:cs typeface="微软雅黑" charset="0"/>
+            </a:endParaRPr>
           </a:p>
           <a:p>
             <a:pPr algn="l"/>
             <a:r>
-              <a:rPr lang="zh-CN" altLang="en-US" sz="1800"/>
+              <a:rPr lang="zh-CN" altLang="en-US" sz="1800">
+                <a:latin typeface="微软雅黑" charset="0"/>
+                <a:ea typeface="微软雅黑" charset="0"/>
+                <a:cs typeface="微软雅黑" charset="0"/>
+              </a:rPr>
+              <a:t>① 大家都会 Java，但是有一个是 PHP 高手； </a:t>
+            </a:r>
+            <a:endParaRPr lang="zh-CN" altLang="en-US" sz="1800">
+              <a:latin typeface="微软雅黑" charset="0"/>
+              <a:ea typeface="微软雅黑" charset="0"/>
+              <a:cs typeface="微软雅黑" charset="0"/>
+            </a:endParaRPr>
+          </a:p>
+          <a:p>
+            <a:pPr algn="l"/>
+            <a:r>
+              <a:rPr lang="zh-CN" altLang="en-US" sz="1800">
+                <a:latin typeface="微软雅黑" charset="0"/>
+                <a:ea typeface="微软雅黑" charset="0"/>
+                <a:cs typeface="微软雅黑" charset="0"/>
+              </a:rPr>
+              <a:t>② 大家经济条件一般。</a:t>
+            </a:r>
+            <a:endParaRPr lang="zh-CN" altLang="en-US" sz="1800">
+              <a:latin typeface="微软雅黑" charset="0"/>
+              <a:ea typeface="微软雅黑" charset="0"/>
+              <a:cs typeface="微软雅黑" charset="0"/>
+            </a:endParaRPr>
+          </a:p>
+          <a:p>
+            <a:pPr algn="l"/>
+            <a:r>
+              <a:rPr lang="zh-CN" altLang="en-US" sz="1800">
+                <a:latin typeface="微软雅黑" charset="0"/>
+                <a:ea typeface="微软雅黑" charset="0"/>
+                <a:cs typeface="微软雅黑" charset="0"/>
+              </a:rPr>
               <a:t> </a:t>
             </a:r>
-            <a:endParaRPr lang="zh-CN" altLang="en-US" sz="1800"/>
+            <a:endParaRPr lang="zh-CN" altLang="en-US" sz="1800">
+              <a:latin typeface="微软雅黑" charset="0"/>
+              <a:ea typeface="微软雅黑" charset="0"/>
+              <a:cs typeface="微软雅黑" charset="0"/>
+            </a:endParaRPr>
           </a:p>
           <a:p>
             <a:pPr algn="l"/>
             <a:r>
-              <a:rPr lang="zh-CN" altLang="en-US" sz="1800"/>
-              <a:t>你找了 2 个好朋友一起来做这个项目，你们的基本情况如下： </a:t>
-            </a:r>
-            <a:endParaRPr lang="zh-CN" altLang="en-US" sz="1800"/>
+              <a:rPr lang="zh-CN" altLang="en-US" sz="1800">
+                <a:latin typeface="微软雅黑" charset="0"/>
+                <a:ea typeface="微软雅黑" charset="0"/>
+                <a:cs typeface="微软雅黑" charset="0"/>
+              </a:rPr>
+              <a:t>作业要求： </a:t>
+            </a:r>
+            <a:endParaRPr lang="zh-CN" altLang="en-US" sz="1800">
+              <a:latin typeface="微软雅黑" charset="0"/>
+              <a:ea typeface="微软雅黑" charset="0"/>
+              <a:cs typeface="微软雅黑" charset="0"/>
+            </a:endParaRPr>
           </a:p>
           <a:p>
             <a:pPr algn="l"/>
             <a:r>
-              <a:rPr lang="zh-CN" altLang="en-US" sz="1800"/>
-              <a:t>① 大家都会 Java，但是有一个是 PHP 高手； </a:t>
-            </a:r>
-            <a:endParaRPr lang="zh-CN" altLang="en-US" sz="1800"/>
+              <a:rPr lang="zh-CN" altLang="en-US" sz="1800">
+                <a:latin typeface="微软雅黑" charset="0"/>
+                <a:ea typeface="微软雅黑" charset="0"/>
+                <a:cs typeface="微软雅黑" charset="0"/>
+              </a:rPr>
+              <a:t>① 对照面向复杂度架构设计方法论，构思 2 个以上的备选架构方案。 </a:t>
+            </a:r>
+            <a:endParaRPr lang="zh-CN" altLang="en-US" sz="1800">
+              <a:latin typeface="微软雅黑" charset="0"/>
+              <a:ea typeface="微软雅黑" charset="0"/>
+              <a:cs typeface="微软雅黑" charset="0"/>
+            </a:endParaRPr>
           </a:p>
           <a:p>
             <a:pPr algn="l"/>
             <a:r>
-              <a:rPr lang="zh-CN" altLang="en-US" sz="1800"/>
-              <a:t>② 大家经济条件一般。</a:t>
-            </a:r>
-            <a:endParaRPr lang="zh-CN" altLang="en-US" sz="1800"/>
+              <a:rPr lang="zh-CN" altLang="en-US" sz="1800">
+                <a:latin typeface="微软雅黑" charset="0"/>
+                <a:ea typeface="微软雅黑" charset="0"/>
+                <a:cs typeface="微软雅黑" charset="0"/>
+              </a:rPr>
+              <a:t>② 使用 PPT 来画出你的备选架构方案，并说明方案的优缺点。 </a:t>
+            </a:r>
+            <a:endParaRPr lang="zh-CN" altLang="en-US" sz="1800">
+              <a:latin typeface="微软雅黑" charset="0"/>
+              <a:ea typeface="微软雅黑" charset="0"/>
+              <a:cs typeface="微软雅黑" charset="0"/>
+            </a:endParaRPr>
           </a:p>
           <a:p>
             <a:pPr algn="l"/>
             <a:r>
-              <a:rPr lang="zh-CN" altLang="en-US" sz="1800"/>
-              <a:t> </a:t>
-            </a:r>
-            <a:endParaRPr lang="zh-CN" altLang="en-US" sz="1800"/>
-          </a:p>
+              <a:rPr lang="zh-CN" altLang="en-US" sz="1800">
+                <a:latin typeface="微软雅黑" charset="0"/>
+                <a:ea typeface="微软雅黑" charset="0"/>
+                <a:cs typeface="微软雅黑" charset="0"/>
+              </a:rPr>
+              <a:t>③ 给出你选择的最终方案以及选择理由。</a:t>
+            </a:r>
+            <a:endParaRPr lang="zh-CN" altLang="en-US" sz="1800">
+              <a:latin typeface="微软雅黑" charset="0"/>
+              <a:ea typeface="微软雅黑" charset="0"/>
+              <a:cs typeface="微软雅黑" charset="0"/>
+            </a:endParaRPr>
+          </a:p>
+        </p:txBody>
+      </p:sp>
+      <p:sp>
+        <p:nvSpPr>
+          <p:cNvPr id="3" name="副标题 1"/>
+          <p:cNvSpPr/>
+          <p:nvPr/>
+        </p:nvSpPr>
+        <p:spPr>
+          <a:xfrm>
+            <a:off x="690880" y="254635"/>
+            <a:ext cx="10810240" cy="534670"/>
+          </a:xfrm>
+          <a:prstGeom prst="rect">
+            <a:avLst/>
+          </a:prstGeom>
+        </p:spPr>
+        <p:txBody>
+          <a:bodyPr vert="horz" lIns="91440" tIns="45720" rIns="91440" bIns="45720" rtlCol="0">
+            <a:noAutofit/>
+          </a:bodyPr>
+          <a:lstStyle>
+            <a:lvl1pPr marL="0" indent="0" algn="ctr" defTabSz="914400" rtl="0" eaLnBrk="1" latinLnBrk="0" hangingPunct="1">
+              <a:lnSpc>
+                <a:spcPct val="90000"/>
+              </a:lnSpc>
+              <a:spcBef>
+                <a:spcPts val="1000"/>
+              </a:spcBef>
+              <a:buFont typeface="Arial" panose="020B0604020202090204" pitchFamily="34" charset="0"/>
+              <a:buNone/>
+              <a:defRPr sz="2400" kern="1200">
+                <a:solidFill>
+                  <a:schemeClr val="tx1"/>
+                </a:solidFill>
+                <a:latin typeface="+mn-lt"/>
+                <a:ea typeface="+mn-ea"/>
+                <a:cs typeface="+mn-cs"/>
+              </a:defRPr>
+            </a:lvl1pPr>
+            <a:lvl2pPr marL="457200" indent="0" algn="ctr" defTabSz="914400" rtl="0" eaLnBrk="1" latinLnBrk="0" hangingPunct="1">
+              <a:lnSpc>
+                <a:spcPct val="90000"/>
+              </a:lnSpc>
+              <a:spcBef>
+                <a:spcPts val="500"/>
+              </a:spcBef>
+              <a:buFont typeface="Arial" panose="020B0604020202090204" pitchFamily="34" charset="0"/>
+              <a:buNone/>
+              <a:defRPr sz="2000" kern="1200">
+                <a:solidFill>
+                  <a:schemeClr val="tx1"/>
+                </a:solidFill>
+                <a:latin typeface="+mn-lt"/>
+                <a:ea typeface="+mn-ea"/>
+                <a:cs typeface="+mn-cs"/>
+              </a:defRPr>
+            </a:lvl2pPr>
+            <a:lvl3pPr marL="914400" indent="0" algn="ctr" defTabSz="914400" rtl="0" eaLnBrk="1" latinLnBrk="0" hangingPunct="1">
+              <a:lnSpc>
+                <a:spcPct val="90000"/>
+              </a:lnSpc>
+              <a:spcBef>
+                <a:spcPts val="500"/>
+              </a:spcBef>
+              <a:buFont typeface="Arial" panose="020B0604020202090204" pitchFamily="34" charset="0"/>
+              <a:buNone/>
+              <a:defRPr sz="1800" kern="1200">
+                <a:solidFill>
+                  <a:schemeClr val="tx1"/>
+                </a:solidFill>
+                <a:latin typeface="+mn-lt"/>
+                <a:ea typeface="+mn-ea"/>
+                <a:cs typeface="+mn-cs"/>
+              </a:defRPr>
+            </a:lvl3pPr>
+            <a:lvl4pPr marL="1371600" indent="0" algn="ctr" defTabSz="914400" rtl="0" eaLnBrk="1" latinLnBrk="0" hangingPunct="1">
+              <a:lnSpc>
+                <a:spcPct val="90000"/>
+              </a:lnSpc>
+              <a:spcBef>
+                <a:spcPts val="500"/>
+              </a:spcBef>
+              <a:buFont typeface="Arial" panose="020B0604020202090204" pitchFamily="34" charset="0"/>
+              <a:buNone/>
+              <a:defRPr sz="1600" kern="1200">
+                <a:solidFill>
+                  <a:schemeClr val="tx1"/>
+                </a:solidFill>
+                <a:latin typeface="+mn-lt"/>
+                <a:ea typeface="+mn-ea"/>
+                <a:cs typeface="+mn-cs"/>
+              </a:defRPr>
+            </a:lvl4pPr>
+            <a:lvl5pPr marL="1828800" indent="0" algn="ctr" defTabSz="914400" rtl="0" eaLnBrk="1" latinLnBrk="0" hangingPunct="1">
+              <a:lnSpc>
+                <a:spcPct val="90000"/>
+              </a:lnSpc>
+              <a:spcBef>
+                <a:spcPts val="500"/>
+              </a:spcBef>
+              <a:buFont typeface="Arial" panose="020B0604020202090204" pitchFamily="34" charset="0"/>
+              <a:buNone/>
+              <a:defRPr sz="1600" kern="1200">
+                <a:solidFill>
+                  <a:schemeClr val="tx1"/>
+                </a:solidFill>
+                <a:latin typeface="+mn-lt"/>
+                <a:ea typeface="+mn-ea"/>
+                <a:cs typeface="+mn-cs"/>
+              </a:defRPr>
+            </a:lvl5pPr>
+            <a:lvl6pPr marL="2286000" indent="0" algn="ctr" defTabSz="914400" rtl="0" eaLnBrk="1" latinLnBrk="0" hangingPunct="1">
+              <a:lnSpc>
+                <a:spcPct val="90000"/>
+              </a:lnSpc>
+              <a:spcBef>
+                <a:spcPts val="500"/>
+              </a:spcBef>
+              <a:buFont typeface="Arial" panose="020B0604020202090204" pitchFamily="34" charset="0"/>
+              <a:buNone/>
+              <a:defRPr sz="1600" kern="1200">
+                <a:solidFill>
+                  <a:schemeClr val="tx1"/>
+                </a:solidFill>
+                <a:latin typeface="+mn-lt"/>
+                <a:ea typeface="+mn-ea"/>
+                <a:cs typeface="+mn-cs"/>
+              </a:defRPr>
+            </a:lvl6pPr>
+            <a:lvl7pPr marL="2743200" indent="0" algn="ctr" defTabSz="914400" rtl="0" eaLnBrk="1" latinLnBrk="0" hangingPunct="1">
+              <a:lnSpc>
+                <a:spcPct val="90000"/>
+              </a:lnSpc>
+              <a:spcBef>
+                <a:spcPts val="500"/>
+              </a:spcBef>
+              <a:buFont typeface="Arial" panose="020B0604020202090204" pitchFamily="34" charset="0"/>
+              <a:buNone/>
+              <a:defRPr sz="1600" kern="1200">
+                <a:solidFill>
+                  <a:schemeClr val="tx1"/>
+                </a:solidFill>
+                <a:latin typeface="+mn-lt"/>
+                <a:ea typeface="+mn-ea"/>
+                <a:cs typeface="+mn-cs"/>
+              </a:defRPr>
+            </a:lvl7pPr>
+            <a:lvl8pPr marL="3200400" indent="0" algn="ctr" defTabSz="914400" rtl="0" eaLnBrk="1" latinLnBrk="0" hangingPunct="1">
+              <a:lnSpc>
+                <a:spcPct val="90000"/>
+              </a:lnSpc>
+              <a:spcBef>
+                <a:spcPts val="500"/>
+              </a:spcBef>
+              <a:buFont typeface="Arial" panose="020B0604020202090204" pitchFamily="34" charset="0"/>
+              <a:buNone/>
+              <a:defRPr sz="1600" kern="1200">
+                <a:solidFill>
+                  <a:schemeClr val="tx1"/>
+                </a:solidFill>
+                <a:latin typeface="+mn-lt"/>
+                <a:ea typeface="+mn-ea"/>
+                <a:cs typeface="+mn-cs"/>
+              </a:defRPr>
+            </a:lvl8pPr>
+            <a:lvl9pPr marL="3657600" indent="0" algn="ctr" defTabSz="914400" rtl="0" eaLnBrk="1" latinLnBrk="0" hangingPunct="1">
+              <a:lnSpc>
+                <a:spcPct val="90000"/>
+              </a:lnSpc>
+              <a:spcBef>
+                <a:spcPts val="500"/>
+              </a:spcBef>
+              <a:buFont typeface="Arial" panose="020B0604020202090204" pitchFamily="34" charset="0"/>
+              <a:buNone/>
+              <a:defRPr sz="1600" kern="1200">
+                <a:solidFill>
+                  <a:schemeClr val="tx1"/>
+                </a:solidFill>
+                <a:latin typeface="+mn-lt"/>
+                <a:ea typeface="+mn-ea"/>
+                <a:cs typeface="+mn-cs"/>
+              </a:defRPr>
+            </a:lvl9pPr>
+          </a:lstStyle>
           <a:p>
             <a:pPr algn="l"/>
             <a:r>
-              <a:rPr lang="zh-CN" altLang="en-US" sz="1800"/>
-              <a:t>作业要求： </a:t>
-            </a:r>
-            <a:endParaRPr lang="zh-CN" altLang="en-US" sz="1800"/>
-          </a:p>
-          <a:p>
-            <a:pPr algn="l"/>
-            <a:r>
-              <a:rPr lang="zh-CN" altLang="en-US" sz="1800"/>
-              <a:t>① 对照面向复杂度架构设计方法论，构思 2 个以上的备选架构方案。 </a:t>
-            </a:r>
-            <a:endParaRPr lang="zh-CN" altLang="en-US" sz="1800"/>
-          </a:p>
-          <a:p>
-            <a:pPr algn="l"/>
-            <a:r>
-              <a:rPr lang="zh-CN" altLang="en-US" sz="1800"/>
-              <a:t>② 使用 PPT 来画出你的备选架构方案，并说明方案的优缺点。 </a:t>
-            </a:r>
-            <a:endParaRPr lang="zh-CN" altLang="en-US" sz="1800"/>
-          </a:p>
-          <a:p>
-            <a:pPr algn="l"/>
-            <a:r>
-              <a:rPr lang="zh-CN" altLang="en-US" sz="1800"/>
-              <a:t>③ 给出你选择的最终方案以及选择理由。</a:t>
-            </a:r>
-            <a:endParaRPr lang="zh-CN" altLang="en-US" sz="1800"/>
+              <a:rPr lang="zh-CN" altLang="en-US" sz="3200">
+                <a:latin typeface="微软雅黑" charset="0"/>
+                <a:ea typeface="微软雅黑" charset="0"/>
+              </a:rPr>
+              <a:t>需求</a:t>
+            </a:r>
+            <a:endParaRPr lang="zh-CN" altLang="en-US" sz="3200">
+              <a:latin typeface="微软雅黑" charset="0"/>
+              <a:ea typeface="微软雅黑" charset="0"/>
+            </a:endParaRPr>
           </a:p>
         </p:txBody>
       </p:sp>
@@ -2797,153 +3095,325 @@
         </p:nvSpPr>
         <p:spPr>
           <a:xfrm>
-            <a:off x="690880" y="1068070"/>
-            <a:ext cx="10810240" cy="5290185"/>
+            <a:off x="546100" y="1143000"/>
+            <a:ext cx="11099800" cy="4571365"/>
           </a:xfrm>
         </p:spPr>
         <p:txBody>
           <a:bodyPr>
-            <a:normAutofit lnSpcReduction="20000"/>
+            <a:noAutofit/>
           </a:bodyPr>
           <a:p>
-            <a:pPr algn="l"/>
-            <a:r>
-              <a:rPr lang="en-US" altLang="zh-CN" sz="1800"/>
-              <a:t>                                   </a:t>
-            </a:r>
-            <a:r>
-              <a:rPr lang="zh-CN" altLang="en-US" sz="1800"/>
-              <a:t>“学生管理系统”毕设架构设计</a:t>
-            </a:r>
-            <a:endParaRPr lang="zh-CN" altLang="en-US" sz="1800"/>
-          </a:p>
-          <a:p>
-            <a:pPr algn="l"/>
-            <a:endParaRPr lang="zh-CN" altLang="en-US" sz="1800"/>
-          </a:p>
-          <a:p>
-            <a:pPr algn="l"/>
-            <a:r>
-              <a:rPr lang="zh-CN" altLang="en-US" sz="1800"/>
-              <a:t>假设今年学校毕业设计要求提升，要求做真正可运行的学生管理系统，学院对毕设的具体要求如下： </a:t>
-            </a:r>
-            <a:endParaRPr lang="zh-CN" altLang="en-US" sz="1800"/>
-          </a:p>
-          <a:p>
-            <a:pPr algn="l"/>
-            <a:r>
-              <a:rPr lang="zh-CN" altLang="en-US" sz="1800"/>
-              <a:t>① 要求可以通过公网域名访问； </a:t>
-            </a:r>
-            <a:endParaRPr lang="zh-CN" altLang="en-US" sz="1800"/>
-          </a:p>
-          <a:p>
-            <a:pPr algn="l"/>
-            <a:r>
-              <a:rPr lang="zh-CN" altLang="en-US" sz="1800"/>
-              <a:t>② 要求至少 3 人合作完成； </a:t>
-            </a:r>
-            <a:endParaRPr lang="zh-CN" altLang="en-US" sz="1800"/>
-          </a:p>
-          <a:p>
-            <a:pPr algn="l"/>
-            <a:r>
-              <a:rPr lang="zh-CN" altLang="en-US" sz="1800"/>
-              <a:t>③ 能够支撑管理 1000 个学生； </a:t>
-            </a:r>
-            <a:endParaRPr lang="zh-CN" altLang="en-US" sz="1800"/>
-          </a:p>
-          <a:p>
-            <a:pPr algn="l"/>
-            <a:r>
-              <a:rPr lang="zh-CN" altLang="en-US" sz="1800"/>
-              <a:t>④ 答辩的时候会根据架构方案来进行打分，不推荐太简单和太复杂的方案。</a:t>
-            </a:r>
-            <a:endParaRPr lang="zh-CN" altLang="en-US" sz="1800"/>
-          </a:p>
-          <a:p>
-            <a:pPr algn="l"/>
-            <a:r>
-              <a:rPr lang="zh-CN" altLang="en-US" sz="1800"/>
-              <a:t> </a:t>
-            </a:r>
-            <a:endParaRPr lang="zh-CN" altLang="en-US" sz="1800"/>
-          </a:p>
-          <a:p>
-            <a:pPr algn="l"/>
-            <a:r>
-              <a:rPr lang="zh-CN" altLang="en-US" sz="1800"/>
-              <a:t>你找了 2 个好朋友一起来做这个项目，你们的基本情况如下： </a:t>
-            </a:r>
-            <a:endParaRPr lang="zh-CN" altLang="en-US" sz="1800"/>
-          </a:p>
-          <a:p>
-            <a:pPr algn="l"/>
-            <a:r>
-              <a:rPr lang="zh-CN" altLang="en-US" sz="1800"/>
-              <a:t>① 大家都会 Java，但是有一个是 PHP 高手； </a:t>
-            </a:r>
-            <a:endParaRPr lang="zh-CN" altLang="en-US" sz="1800"/>
-          </a:p>
-          <a:p>
-            <a:pPr algn="l"/>
-            <a:r>
-              <a:rPr lang="zh-CN" altLang="en-US" sz="1800"/>
-              <a:t>② 大家经济条件一般。</a:t>
-            </a:r>
-            <a:endParaRPr lang="zh-CN" altLang="en-US" sz="1800"/>
-          </a:p>
-          <a:p>
-            <a:pPr algn="l"/>
-            <a:r>
-              <a:rPr lang="zh-CN" altLang="en-US" sz="1800"/>
-              <a:t> </a:t>
-            </a:r>
-            <a:endParaRPr lang="zh-CN" altLang="en-US" sz="1800"/>
-          </a:p>
-          <a:p>
-            <a:pPr algn="l"/>
-            <a:r>
-              <a:rPr lang="zh-CN" altLang="en-US" sz="1800"/>
-              <a:t>作业要求： </a:t>
-            </a:r>
-            <a:endParaRPr lang="zh-CN" altLang="en-US" sz="1800"/>
-          </a:p>
-          <a:p>
-            <a:pPr algn="l"/>
-            <a:r>
-              <a:rPr lang="zh-CN" altLang="en-US" sz="1800"/>
-              <a:t>① 对照面向复杂度架构设计方法论，构思 2 个以上的备选架构方案。 </a:t>
-            </a:r>
-            <a:endParaRPr lang="zh-CN" altLang="en-US" sz="1800"/>
-          </a:p>
-          <a:p>
-            <a:pPr algn="l"/>
-            <a:r>
-              <a:rPr lang="zh-CN" altLang="en-US" sz="1800"/>
-              <a:t>② 使用 PPT 来画出你的备选架构方案，并说明方案的优缺点。 </a:t>
-            </a:r>
-            <a:endParaRPr lang="zh-CN" altLang="en-US" sz="1800"/>
-          </a:p>
-          <a:p>
-            <a:pPr algn="l"/>
-            <a:r>
-              <a:rPr lang="zh-CN" altLang="en-US" sz="1800"/>
-              <a:t>③ 给出你选择的最终方案以及选择理由。</a:t>
-            </a:r>
-            <a:endParaRPr lang="zh-CN" altLang="en-US" sz="1800"/>
-          </a:p>
-        </p:txBody>
-      </p:sp>
-      <p:sp>
-        <p:nvSpPr>
-          <p:cNvPr id="3" name="副标题 1"/>
+            <a:pPr algn="l">
+              <a:lnSpc>
+                <a:spcPct val="130000"/>
+              </a:lnSpc>
+            </a:pPr>
+            <a:r>
+              <a:rPr lang="zh-CN" altLang="en-US" sz="1600">
+                <a:latin typeface="微软雅黑" charset="0"/>
+                <a:ea typeface="微软雅黑" charset="0"/>
+                <a:cs typeface="微软雅黑" charset="0"/>
+              </a:rPr>
+              <a:t> ① 由于需要公网域名访问，</a:t>
+            </a:r>
+            <a:r>
+              <a:rPr lang="zh-CN" altLang="en-US" sz="1600">
+                <a:solidFill>
+                  <a:schemeClr val="tx1"/>
+                </a:solidFill>
+                <a:latin typeface="微软雅黑" charset="0"/>
+                <a:ea typeface="微软雅黑" charset="0"/>
+                <a:cs typeface="微软雅黑" charset="0"/>
+              </a:rPr>
+              <a:t>需要有公网域名，需要在运营商侧购买域名，</a:t>
+            </a:r>
+            <a:r>
+              <a:rPr lang="en-US" altLang="zh-CN" sz="1600">
+                <a:solidFill>
+                  <a:schemeClr val="tx1"/>
+                </a:solidFill>
+                <a:latin typeface="微软雅黑" charset="0"/>
+                <a:ea typeface="微软雅黑" charset="0"/>
+                <a:cs typeface="微软雅黑" charset="0"/>
+              </a:rPr>
+              <a:t>DNS</a:t>
+            </a:r>
+            <a:r>
+              <a:rPr lang="zh-CN" altLang="en-US" sz="1600">
+                <a:solidFill>
+                  <a:schemeClr val="tx1"/>
+                </a:solidFill>
+                <a:latin typeface="微软雅黑" charset="0"/>
+                <a:ea typeface="微软雅黑" charset="0"/>
+                <a:cs typeface="微软雅黑" charset="0"/>
+              </a:rPr>
+              <a:t>解析到</a:t>
+            </a:r>
+            <a:r>
+              <a:rPr lang="en-US" altLang="zh-CN" sz="1600">
+                <a:solidFill>
+                  <a:schemeClr val="tx1"/>
+                </a:solidFill>
+                <a:latin typeface="微软雅黑" charset="0"/>
+                <a:ea typeface="微软雅黑" charset="0"/>
+                <a:cs typeface="微软雅黑" charset="0"/>
+              </a:rPr>
+              <a:t>nginx</a:t>
+            </a:r>
+            <a:r>
+              <a:rPr lang="zh-CN" altLang="en-US" sz="1600">
+                <a:solidFill>
+                  <a:schemeClr val="tx1"/>
+                </a:solidFill>
+                <a:latin typeface="微软雅黑" charset="0"/>
+                <a:ea typeface="微软雅黑" charset="0"/>
+                <a:cs typeface="微软雅黑" charset="0"/>
+              </a:rPr>
+              <a:t>服务器或带公网</a:t>
+            </a:r>
+            <a:r>
+              <a:rPr lang="en-US" altLang="zh-CN" sz="1600">
+                <a:solidFill>
+                  <a:schemeClr val="tx1"/>
+                </a:solidFill>
+                <a:latin typeface="微软雅黑" charset="0"/>
+                <a:ea typeface="微软雅黑" charset="0"/>
+                <a:cs typeface="微软雅黑" charset="0"/>
+              </a:rPr>
+              <a:t>IP</a:t>
+            </a:r>
+            <a:r>
+              <a:rPr lang="zh-CN" altLang="en-US" sz="1600">
+                <a:solidFill>
+                  <a:schemeClr val="tx1"/>
+                </a:solidFill>
+                <a:latin typeface="微软雅黑" charset="0"/>
+                <a:ea typeface="微软雅黑" charset="0"/>
+                <a:cs typeface="微软雅黑" charset="0"/>
+              </a:rPr>
+              <a:t>的业务服务器。</a:t>
+            </a:r>
+            <a:endParaRPr lang="zh-CN" altLang="en-US" sz="1600">
+              <a:solidFill>
+                <a:schemeClr val="tx1"/>
+              </a:solidFill>
+              <a:latin typeface="微软雅黑" charset="0"/>
+              <a:ea typeface="微软雅黑" charset="0"/>
+              <a:cs typeface="微软雅黑" charset="0"/>
+            </a:endParaRPr>
+          </a:p>
+          <a:p>
+            <a:pPr algn="l">
+              <a:lnSpc>
+                <a:spcPct val="130000"/>
+              </a:lnSpc>
+            </a:pPr>
+            <a:r>
+              <a:rPr lang="zh-CN" altLang="en-US" sz="1600">
+                <a:solidFill>
+                  <a:schemeClr val="tx1"/>
+                </a:solidFill>
+                <a:latin typeface="微软雅黑" charset="0"/>
+                <a:ea typeface="微软雅黑" charset="0"/>
+                <a:cs typeface="微软雅黑" charset="0"/>
+              </a:rPr>
+              <a:t>② 由于 3 人合作完成，模块需要做一定的拆分，可拆分为学生子系统，课程子系统，权限子系统。大家都会</a:t>
+            </a:r>
+            <a:r>
+              <a:rPr lang="en-US" altLang="zh-CN" sz="1600">
+                <a:solidFill>
+                  <a:schemeClr val="tx1"/>
+                </a:solidFill>
+                <a:latin typeface="微软雅黑" charset="0"/>
+                <a:ea typeface="微软雅黑" charset="0"/>
+                <a:cs typeface="微软雅黑" charset="0"/>
+              </a:rPr>
+              <a:t>java</a:t>
+            </a:r>
+            <a:r>
+              <a:rPr lang="zh-CN" altLang="en-US" sz="1600">
+                <a:solidFill>
+                  <a:schemeClr val="tx1"/>
+                </a:solidFill>
+                <a:latin typeface="微软雅黑" charset="0"/>
+                <a:ea typeface="微软雅黑" charset="0"/>
+                <a:cs typeface="微软雅黑" charset="0"/>
+              </a:rPr>
+              <a:t>，所以用</a:t>
+            </a:r>
+            <a:r>
+              <a:rPr lang="en-US" altLang="zh-CN" sz="1600">
+                <a:solidFill>
+                  <a:schemeClr val="tx1"/>
+                </a:solidFill>
+                <a:latin typeface="微软雅黑" charset="0"/>
+                <a:ea typeface="微软雅黑" charset="0"/>
+                <a:cs typeface="微软雅黑" charset="0"/>
+              </a:rPr>
+              <a:t>java</a:t>
+            </a:r>
+            <a:r>
+              <a:rPr lang="zh-CN" altLang="en-US" sz="1600">
+                <a:solidFill>
+                  <a:schemeClr val="tx1"/>
+                </a:solidFill>
+                <a:latin typeface="微软雅黑" charset="0"/>
+                <a:ea typeface="微软雅黑" charset="0"/>
+                <a:cs typeface="微软雅黑" charset="0"/>
+              </a:rPr>
+              <a:t>来实现。</a:t>
+            </a:r>
+            <a:endParaRPr lang="zh-CN" altLang="en-US" sz="1600">
+              <a:solidFill>
+                <a:schemeClr val="tx1"/>
+              </a:solidFill>
+              <a:latin typeface="微软雅黑" charset="0"/>
+              <a:ea typeface="微软雅黑" charset="0"/>
+              <a:cs typeface="微软雅黑" charset="0"/>
+            </a:endParaRPr>
+          </a:p>
+          <a:p>
+            <a:pPr algn="l">
+              <a:lnSpc>
+                <a:spcPct val="130000"/>
+              </a:lnSpc>
+            </a:pPr>
+            <a:r>
+              <a:rPr lang="zh-CN" altLang="en-US" sz="1600">
+                <a:solidFill>
+                  <a:schemeClr val="tx1"/>
+                </a:solidFill>
+                <a:latin typeface="微软雅黑" charset="0"/>
+                <a:ea typeface="微软雅黑" charset="0"/>
+                <a:cs typeface="微软雅黑" charset="0"/>
+              </a:rPr>
+              <a:t>③ 管理 1000 个学生，规模不大，一般单机可以承受。性能要求不高。服务的高可用要求不高，但也不能经常中断。</a:t>
+            </a:r>
+            <a:endParaRPr lang="zh-CN" altLang="en-US" sz="1600">
+              <a:solidFill>
+                <a:schemeClr val="tx1"/>
+              </a:solidFill>
+              <a:latin typeface="微软雅黑" charset="0"/>
+              <a:ea typeface="微软雅黑" charset="0"/>
+              <a:cs typeface="微软雅黑" charset="0"/>
+            </a:endParaRPr>
+          </a:p>
+          <a:p>
+            <a:pPr algn="l">
+              <a:lnSpc>
+                <a:spcPct val="130000"/>
+              </a:lnSpc>
+            </a:pPr>
+            <a:r>
+              <a:rPr lang="zh-CN" altLang="en-US" sz="1600">
+                <a:solidFill>
+                  <a:schemeClr val="tx1"/>
+                </a:solidFill>
+                <a:latin typeface="微软雅黑" charset="0"/>
+                <a:ea typeface="微软雅黑" charset="0"/>
+                <a:cs typeface="微软雅黑" charset="0"/>
+              </a:rPr>
+              <a:t>④ 这里隐含数据高可用的需求，因为数据大量丢失后重新补录成本高。</a:t>
+            </a:r>
+            <a:endParaRPr lang="zh-CN" altLang="en-US" sz="1600">
+              <a:solidFill>
+                <a:schemeClr val="tx1"/>
+              </a:solidFill>
+              <a:latin typeface="微软雅黑" charset="0"/>
+              <a:ea typeface="微软雅黑" charset="0"/>
+              <a:cs typeface="微软雅黑" charset="0"/>
+            </a:endParaRPr>
+          </a:p>
+          <a:p>
+            <a:pPr algn="l">
+              <a:lnSpc>
+                <a:spcPct val="130000"/>
+              </a:lnSpc>
+            </a:pPr>
+            <a:r>
+              <a:rPr lang="zh-CN" altLang="en-US" sz="1600">
+                <a:solidFill>
+                  <a:schemeClr val="tx1"/>
+                </a:solidFill>
+                <a:latin typeface="微软雅黑" charset="0"/>
+                <a:ea typeface="微软雅黑" charset="0"/>
+                <a:cs typeface="微软雅黑" charset="0"/>
+              </a:rPr>
+              <a:t>⑤ 成本不能太高，意味着使用尽量少的服务器。</a:t>
+            </a:r>
+            <a:endParaRPr lang="zh-CN" altLang="en-US" sz="1600">
+              <a:solidFill>
+                <a:schemeClr val="tx1"/>
+              </a:solidFill>
+              <a:latin typeface="微软雅黑" charset="0"/>
+              <a:ea typeface="微软雅黑" charset="0"/>
+              <a:cs typeface="微软雅黑" charset="0"/>
+            </a:endParaRPr>
+          </a:p>
+          <a:p>
+            <a:pPr algn="l">
+              <a:lnSpc>
+                <a:spcPct val="130000"/>
+              </a:lnSpc>
+            </a:pPr>
+            <a:r>
+              <a:rPr lang="zh-CN" altLang="en-US" sz="1600">
+                <a:solidFill>
+                  <a:schemeClr val="tx1"/>
+                </a:solidFill>
+                <a:latin typeface="微软雅黑" charset="0"/>
+                <a:ea typeface="微软雅黑" charset="0"/>
+                <a:cs typeface="微软雅黑" charset="0"/>
+              </a:rPr>
+              <a:t>⑥ 关于可扩展性，由于子系统功能项较多，且后续可能有新的功能需求，所以需要考虑可扩展性。</a:t>
+            </a:r>
+            <a:endParaRPr lang="zh-CN" altLang="en-US" sz="1600">
+              <a:solidFill>
+                <a:schemeClr val="tx1"/>
+              </a:solidFill>
+              <a:latin typeface="微软雅黑" charset="0"/>
+              <a:ea typeface="微软雅黑" charset="0"/>
+              <a:cs typeface="微软雅黑" charset="0"/>
+            </a:endParaRPr>
+          </a:p>
+          <a:p>
+            <a:pPr algn="l">
+              <a:lnSpc>
+                <a:spcPct val="130000"/>
+              </a:lnSpc>
+            </a:pPr>
+            <a:r>
+              <a:rPr lang="zh-CN" altLang="en-US" sz="1600">
+                <a:solidFill>
+                  <a:schemeClr val="tx1"/>
+                </a:solidFill>
+                <a:latin typeface="微软雅黑" charset="0"/>
+                <a:ea typeface="微软雅黑" charset="0"/>
+                <a:cs typeface="微软雅黑" charset="0"/>
+              </a:rPr>
+              <a:t>⑦ 关于架构演进的考虑，由于学生人数相对稳定，因此满足当前情况即可。</a:t>
+            </a:r>
+            <a:endParaRPr lang="zh-CN" altLang="en-US" sz="1600">
+              <a:solidFill>
+                <a:schemeClr val="tx1"/>
+              </a:solidFill>
+              <a:latin typeface="微软雅黑" charset="0"/>
+              <a:ea typeface="微软雅黑" charset="0"/>
+              <a:cs typeface="微软雅黑" charset="0"/>
+            </a:endParaRPr>
+          </a:p>
+        </p:txBody>
+      </p:sp>
+      <p:sp>
+        <p:nvSpPr>
+          <p:cNvPr id="4" name="副标题 1"/>
           <p:cNvSpPr/>
           <p:nvPr/>
         </p:nvSpPr>
         <p:spPr>
           <a:xfrm>
-            <a:off x="690880" y="254635"/>
+            <a:off x="586740" y="256540"/>
             <a:ext cx="10810240" cy="534670"/>
           </a:xfrm>
           <a:prstGeom prst="rect">
@@ -3125,11 +3595,3470 @@
                 <a:latin typeface="微软雅黑" charset="0"/>
                 <a:ea typeface="微软雅黑" charset="0"/>
               </a:rPr>
-              <a:t>需求理解</a:t>
+              <a:t>业务复杂度分析</a:t>
             </a:r>
             <a:endParaRPr lang="zh-CN" altLang="en-US" sz="3200">
               <a:latin typeface="微软雅黑" charset="0"/>
               <a:ea typeface="微软雅黑" charset="0"/>
+            </a:endParaRPr>
+          </a:p>
+        </p:txBody>
+      </p:sp>
+    </p:spTree>
+  </p:cSld>
+  <p:clrMapOvr>
+    <a:masterClrMapping/>
+  </p:clrMapOvr>
+</p:sld>
+</file>
+
+<file path=ppt/slides/slide3.xml><?xml version="1.0" encoding="utf-8"?>
+<p:sld xmlns:a="http://schemas.openxmlformats.org/drawingml/2006/main" xmlns:r="http://schemas.openxmlformats.org/officeDocument/2006/relationships" xmlns:p="http://schemas.openxmlformats.org/presentationml/2006/main">
+  <p:cSld>
+    <p:spTree>
+      <p:nvGrpSpPr>
+        <p:cNvPr id="1" name=""/>
+        <p:cNvGrpSpPr/>
+        <p:nvPr/>
+      </p:nvGrpSpPr>
+      <p:grpSpPr/>
+      <p:sp>
+        <p:nvSpPr>
+          <p:cNvPr id="3" name="副标题 1"/>
+          <p:cNvSpPr/>
+          <p:nvPr/>
+        </p:nvSpPr>
+        <p:spPr>
+          <a:xfrm>
+            <a:off x="690880" y="254635"/>
+            <a:ext cx="10810240" cy="534670"/>
+          </a:xfrm>
+          <a:prstGeom prst="rect">
+            <a:avLst/>
+          </a:prstGeom>
+        </p:spPr>
+        <p:txBody>
+          <a:bodyPr vert="horz" lIns="91440" tIns="45720" rIns="91440" bIns="45720" rtlCol="0">
+            <a:noAutofit/>
+          </a:bodyPr>
+          <a:lstStyle>
+            <a:lvl1pPr marL="0" indent="0" algn="ctr" defTabSz="914400" rtl="0" eaLnBrk="1" latinLnBrk="0" hangingPunct="1">
+              <a:lnSpc>
+                <a:spcPct val="90000"/>
+              </a:lnSpc>
+              <a:spcBef>
+                <a:spcPts val="1000"/>
+              </a:spcBef>
+              <a:buFont typeface="Arial" panose="020B0604020202090204" pitchFamily="34" charset="0"/>
+              <a:buNone/>
+              <a:defRPr sz="2400" kern="1200">
+                <a:solidFill>
+                  <a:schemeClr val="tx1"/>
+                </a:solidFill>
+                <a:latin typeface="+mn-lt"/>
+                <a:ea typeface="+mn-ea"/>
+                <a:cs typeface="+mn-cs"/>
+              </a:defRPr>
+            </a:lvl1pPr>
+            <a:lvl2pPr marL="457200" indent="0" algn="ctr" defTabSz="914400" rtl="0" eaLnBrk="1" latinLnBrk="0" hangingPunct="1">
+              <a:lnSpc>
+                <a:spcPct val="90000"/>
+              </a:lnSpc>
+              <a:spcBef>
+                <a:spcPts val="500"/>
+              </a:spcBef>
+              <a:buFont typeface="Arial" panose="020B0604020202090204" pitchFamily="34" charset="0"/>
+              <a:buNone/>
+              <a:defRPr sz="2000" kern="1200">
+                <a:solidFill>
+                  <a:schemeClr val="tx1"/>
+                </a:solidFill>
+                <a:latin typeface="+mn-lt"/>
+                <a:ea typeface="+mn-ea"/>
+                <a:cs typeface="+mn-cs"/>
+              </a:defRPr>
+            </a:lvl2pPr>
+            <a:lvl3pPr marL="914400" indent="0" algn="ctr" defTabSz="914400" rtl="0" eaLnBrk="1" latinLnBrk="0" hangingPunct="1">
+              <a:lnSpc>
+                <a:spcPct val="90000"/>
+              </a:lnSpc>
+              <a:spcBef>
+                <a:spcPts val="500"/>
+              </a:spcBef>
+              <a:buFont typeface="Arial" panose="020B0604020202090204" pitchFamily="34" charset="0"/>
+              <a:buNone/>
+              <a:defRPr sz="1800" kern="1200">
+                <a:solidFill>
+                  <a:schemeClr val="tx1"/>
+                </a:solidFill>
+                <a:latin typeface="+mn-lt"/>
+                <a:ea typeface="+mn-ea"/>
+                <a:cs typeface="+mn-cs"/>
+              </a:defRPr>
+            </a:lvl3pPr>
+            <a:lvl4pPr marL="1371600" indent="0" algn="ctr" defTabSz="914400" rtl="0" eaLnBrk="1" latinLnBrk="0" hangingPunct="1">
+              <a:lnSpc>
+                <a:spcPct val="90000"/>
+              </a:lnSpc>
+              <a:spcBef>
+                <a:spcPts val="500"/>
+              </a:spcBef>
+              <a:buFont typeface="Arial" panose="020B0604020202090204" pitchFamily="34" charset="0"/>
+              <a:buNone/>
+              <a:defRPr sz="1600" kern="1200">
+                <a:solidFill>
+                  <a:schemeClr val="tx1"/>
+                </a:solidFill>
+                <a:latin typeface="+mn-lt"/>
+                <a:ea typeface="+mn-ea"/>
+                <a:cs typeface="+mn-cs"/>
+              </a:defRPr>
+            </a:lvl4pPr>
+            <a:lvl5pPr marL="1828800" indent="0" algn="ctr" defTabSz="914400" rtl="0" eaLnBrk="1" latinLnBrk="0" hangingPunct="1">
+              <a:lnSpc>
+                <a:spcPct val="90000"/>
+              </a:lnSpc>
+              <a:spcBef>
+                <a:spcPts val="500"/>
+              </a:spcBef>
+              <a:buFont typeface="Arial" panose="020B0604020202090204" pitchFamily="34" charset="0"/>
+              <a:buNone/>
+              <a:defRPr sz="1600" kern="1200">
+                <a:solidFill>
+                  <a:schemeClr val="tx1"/>
+                </a:solidFill>
+                <a:latin typeface="+mn-lt"/>
+                <a:ea typeface="+mn-ea"/>
+                <a:cs typeface="+mn-cs"/>
+              </a:defRPr>
+            </a:lvl5pPr>
+            <a:lvl6pPr marL="2286000" indent="0" algn="ctr" defTabSz="914400" rtl="0" eaLnBrk="1" latinLnBrk="0" hangingPunct="1">
+              <a:lnSpc>
+                <a:spcPct val="90000"/>
+              </a:lnSpc>
+              <a:spcBef>
+                <a:spcPts val="500"/>
+              </a:spcBef>
+              <a:buFont typeface="Arial" panose="020B0604020202090204" pitchFamily="34" charset="0"/>
+              <a:buNone/>
+              <a:defRPr sz="1600" kern="1200">
+                <a:solidFill>
+                  <a:schemeClr val="tx1"/>
+                </a:solidFill>
+                <a:latin typeface="+mn-lt"/>
+                <a:ea typeface="+mn-ea"/>
+                <a:cs typeface="+mn-cs"/>
+              </a:defRPr>
+            </a:lvl6pPr>
+            <a:lvl7pPr marL="2743200" indent="0" algn="ctr" defTabSz="914400" rtl="0" eaLnBrk="1" latinLnBrk="0" hangingPunct="1">
+              <a:lnSpc>
+                <a:spcPct val="90000"/>
+              </a:lnSpc>
+              <a:spcBef>
+                <a:spcPts val="500"/>
+              </a:spcBef>
+              <a:buFont typeface="Arial" panose="020B0604020202090204" pitchFamily="34" charset="0"/>
+              <a:buNone/>
+              <a:defRPr sz="1600" kern="1200">
+                <a:solidFill>
+                  <a:schemeClr val="tx1"/>
+                </a:solidFill>
+                <a:latin typeface="+mn-lt"/>
+                <a:ea typeface="+mn-ea"/>
+                <a:cs typeface="+mn-cs"/>
+              </a:defRPr>
+            </a:lvl7pPr>
+            <a:lvl8pPr marL="3200400" indent="0" algn="ctr" defTabSz="914400" rtl="0" eaLnBrk="1" latinLnBrk="0" hangingPunct="1">
+              <a:lnSpc>
+                <a:spcPct val="90000"/>
+              </a:lnSpc>
+              <a:spcBef>
+                <a:spcPts val="500"/>
+              </a:spcBef>
+              <a:buFont typeface="Arial" panose="020B0604020202090204" pitchFamily="34" charset="0"/>
+              <a:buNone/>
+              <a:defRPr sz="1600" kern="1200">
+                <a:solidFill>
+                  <a:schemeClr val="tx1"/>
+                </a:solidFill>
+                <a:latin typeface="+mn-lt"/>
+                <a:ea typeface="+mn-ea"/>
+                <a:cs typeface="+mn-cs"/>
+              </a:defRPr>
+            </a:lvl8pPr>
+            <a:lvl9pPr marL="3657600" indent="0" algn="ctr" defTabSz="914400" rtl="0" eaLnBrk="1" latinLnBrk="0" hangingPunct="1">
+              <a:lnSpc>
+                <a:spcPct val="90000"/>
+              </a:lnSpc>
+              <a:spcBef>
+                <a:spcPts val="500"/>
+              </a:spcBef>
+              <a:buFont typeface="Arial" panose="020B0604020202090204" pitchFamily="34" charset="0"/>
+              <a:buNone/>
+              <a:defRPr sz="1600" kern="1200">
+                <a:solidFill>
+                  <a:schemeClr val="tx1"/>
+                </a:solidFill>
+                <a:latin typeface="+mn-lt"/>
+                <a:ea typeface="+mn-ea"/>
+                <a:cs typeface="+mn-cs"/>
+              </a:defRPr>
+            </a:lvl9pPr>
+          </a:lstStyle>
+          <a:p>
+            <a:pPr algn="l"/>
+            <a:r>
+              <a:rPr lang="zh-CN" altLang="en-US" sz="3200">
+                <a:latin typeface="微软雅黑" charset="0"/>
+                <a:ea typeface="微软雅黑" charset="0"/>
+              </a:rPr>
+              <a:t>备选架构一</a:t>
+            </a:r>
+            <a:endParaRPr lang="zh-CN" altLang="en-US" sz="3200">
+              <a:latin typeface="微软雅黑" charset="0"/>
+              <a:ea typeface="微软雅黑" charset="0"/>
+            </a:endParaRPr>
+          </a:p>
+        </p:txBody>
+      </p:sp>
+      <p:pic>
+        <p:nvPicPr>
+          <p:cNvPr id="5" name="图片 4" descr="代理服务器"/>
+          <p:cNvPicPr>
+            <a:picLocks noChangeAspect="1"/>
+          </p:cNvPicPr>
+          <p:nvPr/>
+        </p:nvPicPr>
+        <p:blipFill>
+          <a:blip r:embed="rId1"/>
+          <a:stretch>
+            <a:fillRect/>
+          </a:stretch>
+        </p:blipFill>
+        <p:spPr>
+          <a:xfrm>
+            <a:off x="2570480" y="2063115"/>
+            <a:ext cx="521680" cy="777240"/>
+          </a:xfrm>
+          <a:prstGeom prst="rect">
+            <a:avLst/>
+          </a:prstGeom>
+        </p:spPr>
+      </p:pic>
+      <p:pic>
+        <p:nvPicPr>
+          <p:cNvPr id="6" name="图片 5" descr="通用服务器"/>
+          <p:cNvPicPr>
+            <a:picLocks noChangeAspect="1"/>
+          </p:cNvPicPr>
+          <p:nvPr/>
+        </p:nvPicPr>
+        <p:blipFill>
+          <a:blip r:embed="rId2"/>
+          <a:stretch>
+            <a:fillRect/>
+          </a:stretch>
+        </p:blipFill>
+        <p:spPr>
+          <a:xfrm>
+            <a:off x="690880" y="3255010"/>
+            <a:ext cx="521360" cy="723900"/>
+          </a:xfrm>
+          <a:prstGeom prst="rect">
+            <a:avLst/>
+          </a:prstGeom>
+        </p:spPr>
+      </p:pic>
+      <p:pic>
+        <p:nvPicPr>
+          <p:cNvPr id="7" name="图片 6" descr="通用服务器"/>
+          <p:cNvPicPr>
+            <a:picLocks noChangeAspect="1"/>
+          </p:cNvPicPr>
+          <p:nvPr/>
+        </p:nvPicPr>
+        <p:blipFill>
+          <a:blip r:embed="rId2"/>
+          <a:stretch>
+            <a:fillRect/>
+          </a:stretch>
+        </p:blipFill>
+        <p:spPr>
+          <a:xfrm>
+            <a:off x="2570480" y="3255010"/>
+            <a:ext cx="521459" cy="723900"/>
+          </a:xfrm>
+          <a:prstGeom prst="rect">
+            <a:avLst/>
+          </a:prstGeom>
+        </p:spPr>
+      </p:pic>
+      <p:pic>
+        <p:nvPicPr>
+          <p:cNvPr id="8" name="图片 7" descr="database-配置"/>
+          <p:cNvPicPr>
+            <a:picLocks noChangeAspect="1"/>
+          </p:cNvPicPr>
+          <p:nvPr/>
+        </p:nvPicPr>
+        <p:blipFill>
+          <a:blip r:embed="rId3"/>
+          <a:stretch>
+            <a:fillRect/>
+          </a:stretch>
+        </p:blipFill>
+        <p:spPr>
+          <a:xfrm>
+            <a:off x="1804670" y="4768215"/>
+            <a:ext cx="722438" cy="722438"/>
+          </a:xfrm>
+          <a:prstGeom prst="rect">
+            <a:avLst/>
+          </a:prstGeom>
+        </p:spPr>
+      </p:pic>
+      <p:pic>
+        <p:nvPicPr>
+          <p:cNvPr id="9" name="图片 8" descr="database-配置"/>
+          <p:cNvPicPr>
+            <a:picLocks noChangeAspect="1"/>
+          </p:cNvPicPr>
+          <p:nvPr/>
+        </p:nvPicPr>
+        <p:blipFill>
+          <a:blip r:embed="rId3"/>
+          <a:stretch>
+            <a:fillRect/>
+          </a:stretch>
+        </p:blipFill>
+        <p:spPr>
+          <a:xfrm>
+            <a:off x="3453130" y="4768215"/>
+            <a:ext cx="722438" cy="722438"/>
+          </a:xfrm>
+          <a:prstGeom prst="rect">
+            <a:avLst/>
+          </a:prstGeom>
+        </p:spPr>
+      </p:pic>
+      <p:pic>
+        <p:nvPicPr>
+          <p:cNvPr id="10" name="图片 9" descr="通用服务器"/>
+          <p:cNvPicPr>
+            <a:picLocks noChangeAspect="1"/>
+          </p:cNvPicPr>
+          <p:nvPr/>
+        </p:nvPicPr>
+        <p:blipFill>
+          <a:blip r:embed="rId2"/>
+          <a:stretch>
+            <a:fillRect/>
+          </a:stretch>
+        </p:blipFill>
+        <p:spPr>
+          <a:xfrm>
+            <a:off x="4613910" y="3255010"/>
+            <a:ext cx="521221" cy="723900"/>
+          </a:xfrm>
+          <a:prstGeom prst="rect">
+            <a:avLst/>
+          </a:prstGeom>
+        </p:spPr>
+      </p:pic>
+      <p:pic>
+        <p:nvPicPr>
+          <p:cNvPr id="11" name="图片 10" descr="代理服务器"/>
+          <p:cNvPicPr>
+            <a:picLocks noChangeAspect="1"/>
+          </p:cNvPicPr>
+          <p:nvPr/>
+        </p:nvPicPr>
+        <p:blipFill>
+          <a:blip r:embed="rId1"/>
+          <a:stretch>
+            <a:fillRect/>
+          </a:stretch>
+        </p:blipFill>
+        <p:spPr>
+          <a:xfrm>
+            <a:off x="2570480" y="789305"/>
+            <a:ext cx="521680" cy="777240"/>
+          </a:xfrm>
+          <a:prstGeom prst="rect">
+            <a:avLst/>
+          </a:prstGeom>
+        </p:spPr>
+      </p:pic>
+      <p:sp>
+        <p:nvSpPr>
+          <p:cNvPr id="12" name="文本框 11"/>
+          <p:cNvSpPr txBox="1"/>
+          <p:nvPr/>
+        </p:nvSpPr>
+        <p:spPr>
+          <a:xfrm>
+            <a:off x="3379470" y="947420"/>
+            <a:ext cx="660400" cy="306705"/>
+          </a:xfrm>
+          <a:prstGeom prst="rect">
+            <a:avLst/>
+          </a:prstGeom>
+          <a:noFill/>
+        </p:spPr>
+        <p:txBody>
+          <a:bodyPr wrap="square" rtlCol="0">
+            <a:spAutoFit/>
+          </a:bodyPr>
+          <a:p>
+            <a:r>
+              <a:rPr lang="en-US" altLang="zh-CN" sz="1400">
+                <a:latin typeface="微软雅黑" charset="0"/>
+                <a:ea typeface="微软雅黑" charset="0"/>
+              </a:rPr>
+              <a:t>DNS</a:t>
+            </a:r>
+            <a:endParaRPr lang="en-US" altLang="zh-CN" sz="1400">
+              <a:latin typeface="微软雅黑" charset="0"/>
+              <a:ea typeface="微软雅黑" charset="0"/>
+            </a:endParaRPr>
+          </a:p>
+        </p:txBody>
+      </p:sp>
+      <p:sp>
+        <p:nvSpPr>
+          <p:cNvPr id="13" name="文本框 12"/>
+          <p:cNvSpPr txBox="1"/>
+          <p:nvPr/>
+        </p:nvSpPr>
+        <p:spPr>
+          <a:xfrm>
+            <a:off x="3379470" y="2267585"/>
+            <a:ext cx="1598930" cy="306705"/>
+          </a:xfrm>
+          <a:prstGeom prst="rect">
+            <a:avLst/>
+          </a:prstGeom>
+          <a:noFill/>
+        </p:spPr>
+        <p:txBody>
+          <a:bodyPr wrap="square" rtlCol="0">
+            <a:spAutoFit/>
+          </a:bodyPr>
+          <a:p>
+            <a:r>
+              <a:rPr lang="en-US" altLang="zh-CN" sz="1400">
+                <a:latin typeface="微软雅黑" charset="0"/>
+                <a:ea typeface="微软雅黑" charset="0"/>
+                <a:cs typeface="微软雅黑" charset="0"/>
+              </a:rPr>
+              <a:t>Nginx</a:t>
+            </a:r>
+            <a:r>
+              <a:rPr lang="zh-CN" altLang="en-US" sz="1400">
+                <a:latin typeface="微软雅黑" charset="0"/>
+                <a:ea typeface="微软雅黑" charset="0"/>
+                <a:cs typeface="微软雅黑" charset="0"/>
+              </a:rPr>
+              <a:t>负载均衡</a:t>
+            </a:r>
+            <a:endParaRPr lang="zh-CN" altLang="en-US" sz="1400">
+              <a:latin typeface="微软雅黑" charset="0"/>
+              <a:ea typeface="微软雅黑" charset="0"/>
+              <a:cs typeface="微软雅黑" charset="0"/>
+            </a:endParaRPr>
+          </a:p>
+        </p:txBody>
+      </p:sp>
+      <p:sp>
+        <p:nvSpPr>
+          <p:cNvPr id="14" name="文本框 13"/>
+          <p:cNvSpPr txBox="1"/>
+          <p:nvPr/>
+        </p:nvSpPr>
+        <p:spPr>
+          <a:xfrm>
+            <a:off x="1412875" y="2391410"/>
+            <a:ext cx="870585" cy="306705"/>
+          </a:xfrm>
+          <a:prstGeom prst="rect">
+            <a:avLst/>
+          </a:prstGeom>
+          <a:noFill/>
+        </p:spPr>
+        <p:txBody>
+          <a:bodyPr wrap="square" rtlCol="0">
+            <a:spAutoFit/>
+          </a:bodyPr>
+          <a:p>
+            <a:r>
+              <a:rPr lang="zh-CN" altLang="en-US" sz="1400">
+                <a:latin typeface="微软雅黑" charset="0"/>
+                <a:ea typeface="微软雅黑" charset="0"/>
+                <a:cs typeface="微软雅黑" charset="0"/>
+              </a:rPr>
+              <a:t>公网</a:t>
+            </a:r>
+            <a:r>
+              <a:rPr lang="en-US" altLang="zh-CN" sz="1400">
+                <a:latin typeface="微软雅黑" charset="0"/>
+                <a:ea typeface="微软雅黑" charset="0"/>
+                <a:cs typeface="微软雅黑" charset="0"/>
+              </a:rPr>
+              <a:t>IP</a:t>
+            </a:r>
+            <a:endParaRPr lang="en-US" altLang="zh-CN" sz="1400">
+              <a:latin typeface="微软雅黑" charset="0"/>
+              <a:ea typeface="微软雅黑" charset="0"/>
+              <a:cs typeface="微软雅黑" charset="0"/>
+            </a:endParaRPr>
+          </a:p>
+        </p:txBody>
+      </p:sp>
+      <p:sp>
+        <p:nvSpPr>
+          <p:cNvPr id="15" name="文本框 14"/>
+          <p:cNvSpPr txBox="1"/>
+          <p:nvPr/>
+        </p:nvSpPr>
+        <p:spPr>
+          <a:xfrm>
+            <a:off x="1169035" y="3573780"/>
+            <a:ext cx="1358265" cy="306705"/>
+          </a:xfrm>
+          <a:prstGeom prst="rect">
+            <a:avLst/>
+          </a:prstGeom>
+          <a:noFill/>
+        </p:spPr>
+        <p:txBody>
+          <a:bodyPr wrap="square" rtlCol="0">
+            <a:spAutoFit/>
+          </a:bodyPr>
+          <a:p>
+            <a:r>
+              <a:rPr lang="zh-CN" altLang="en-US" sz="1400">
+                <a:latin typeface="微软雅黑" charset="0"/>
+                <a:ea typeface="微软雅黑" charset="0"/>
+                <a:cs typeface="微软雅黑" charset="0"/>
+              </a:rPr>
+              <a:t>业务服务器</a:t>
+            </a:r>
+            <a:r>
+              <a:rPr lang="en-US" altLang="zh-CN" sz="1400">
+                <a:latin typeface="微软雅黑" charset="0"/>
+                <a:ea typeface="微软雅黑" charset="0"/>
+                <a:cs typeface="微软雅黑" charset="0"/>
+              </a:rPr>
+              <a:t>1</a:t>
+            </a:r>
+            <a:endParaRPr lang="en-US" altLang="zh-CN" sz="1400">
+              <a:latin typeface="微软雅黑" charset="0"/>
+              <a:ea typeface="微软雅黑" charset="0"/>
+              <a:cs typeface="微软雅黑" charset="0"/>
+            </a:endParaRPr>
+          </a:p>
+        </p:txBody>
+      </p:sp>
+      <p:sp>
+        <p:nvSpPr>
+          <p:cNvPr id="16" name="文本框 15"/>
+          <p:cNvSpPr txBox="1"/>
+          <p:nvPr/>
+        </p:nvSpPr>
+        <p:spPr>
+          <a:xfrm>
+            <a:off x="3134995" y="3587750"/>
+            <a:ext cx="1358265" cy="306705"/>
+          </a:xfrm>
+          <a:prstGeom prst="rect">
+            <a:avLst/>
+          </a:prstGeom>
+          <a:noFill/>
+        </p:spPr>
+        <p:txBody>
+          <a:bodyPr wrap="square" rtlCol="0">
+            <a:spAutoFit/>
+          </a:bodyPr>
+          <a:p>
+            <a:r>
+              <a:rPr lang="zh-CN" altLang="en-US" sz="1400">
+                <a:latin typeface="微软雅黑" charset="0"/>
+                <a:ea typeface="微软雅黑" charset="0"/>
+                <a:cs typeface="微软雅黑" charset="0"/>
+              </a:rPr>
+              <a:t>业务服务器</a:t>
+            </a:r>
+            <a:r>
+              <a:rPr lang="en-US" altLang="zh-CN" sz="1400">
+                <a:latin typeface="微软雅黑" charset="0"/>
+                <a:ea typeface="微软雅黑" charset="0"/>
+                <a:cs typeface="微软雅黑" charset="0"/>
+              </a:rPr>
+              <a:t>2</a:t>
+            </a:r>
+            <a:endParaRPr lang="en-US" altLang="zh-CN" sz="1400">
+              <a:latin typeface="微软雅黑" charset="0"/>
+              <a:ea typeface="微软雅黑" charset="0"/>
+              <a:cs typeface="微软雅黑" charset="0"/>
+            </a:endParaRPr>
+          </a:p>
+        </p:txBody>
+      </p:sp>
+      <p:sp>
+        <p:nvSpPr>
+          <p:cNvPr id="17" name="文本框 16"/>
+          <p:cNvSpPr txBox="1"/>
+          <p:nvPr/>
+        </p:nvSpPr>
+        <p:spPr>
+          <a:xfrm>
+            <a:off x="5255895" y="3573780"/>
+            <a:ext cx="1358265" cy="306705"/>
+          </a:xfrm>
+          <a:prstGeom prst="rect">
+            <a:avLst/>
+          </a:prstGeom>
+          <a:noFill/>
+        </p:spPr>
+        <p:txBody>
+          <a:bodyPr wrap="square" rtlCol="0">
+            <a:spAutoFit/>
+          </a:bodyPr>
+          <a:p>
+            <a:r>
+              <a:rPr lang="zh-CN" altLang="en-US" sz="1400">
+                <a:latin typeface="微软雅黑" charset="0"/>
+                <a:ea typeface="微软雅黑" charset="0"/>
+                <a:cs typeface="微软雅黑" charset="0"/>
+              </a:rPr>
+              <a:t>业务服务器</a:t>
+            </a:r>
+            <a:r>
+              <a:rPr lang="en-US" altLang="zh-CN" sz="1400">
+                <a:latin typeface="微软雅黑" charset="0"/>
+                <a:ea typeface="微软雅黑" charset="0"/>
+                <a:cs typeface="微软雅黑" charset="0"/>
+              </a:rPr>
+              <a:t>3</a:t>
+            </a:r>
+            <a:endParaRPr lang="en-US" altLang="zh-CN" sz="1400">
+              <a:latin typeface="微软雅黑" charset="0"/>
+              <a:ea typeface="微软雅黑" charset="0"/>
+              <a:cs typeface="微软雅黑" charset="0"/>
+            </a:endParaRPr>
+          </a:p>
+        </p:txBody>
+      </p:sp>
+      <p:cxnSp>
+        <p:nvCxnSpPr>
+          <p:cNvPr id="18" name="直接箭头连接符 17"/>
+          <p:cNvCxnSpPr>
+            <a:stCxn id="11" idx="2"/>
+            <a:endCxn id="5" idx="0"/>
+          </p:cNvCxnSpPr>
+          <p:nvPr/>
+        </p:nvCxnSpPr>
+        <p:spPr>
+          <a:xfrm>
+            <a:off x="2831465" y="1566545"/>
+            <a:ext cx="0" cy="496570"/>
+          </a:xfrm>
+          <a:prstGeom prst="straightConnector1">
+            <a:avLst/>
+          </a:prstGeom>
+          <a:ln>
+            <a:tailEnd type="arrow"/>
+          </a:ln>
+        </p:spPr>
+        <p:style>
+          <a:lnRef idx="1">
+            <a:schemeClr val="accent1"/>
+          </a:lnRef>
+          <a:fillRef idx="0">
+            <a:schemeClr val="accent1"/>
+          </a:fillRef>
+          <a:effectRef idx="0">
+            <a:schemeClr val="accent1"/>
+          </a:effectRef>
+          <a:fontRef idx="minor">
+            <a:schemeClr val="tx1"/>
+          </a:fontRef>
+        </p:style>
+      </p:cxnSp>
+      <p:cxnSp>
+        <p:nvCxnSpPr>
+          <p:cNvPr id="19" name="直接箭头连接符 18"/>
+          <p:cNvCxnSpPr/>
+          <p:nvPr/>
+        </p:nvCxnSpPr>
+        <p:spPr>
+          <a:xfrm flipH="1">
+            <a:off x="1330960" y="2769235"/>
+            <a:ext cx="1134745" cy="518795"/>
+          </a:xfrm>
+          <a:prstGeom prst="straightConnector1">
+            <a:avLst/>
+          </a:prstGeom>
+          <a:ln>
+            <a:tailEnd type="arrow"/>
+          </a:ln>
+        </p:spPr>
+        <p:style>
+          <a:lnRef idx="1">
+            <a:schemeClr val="accent1"/>
+          </a:lnRef>
+          <a:fillRef idx="0">
+            <a:schemeClr val="accent1"/>
+          </a:fillRef>
+          <a:effectRef idx="0">
+            <a:schemeClr val="accent1"/>
+          </a:effectRef>
+          <a:fontRef idx="minor">
+            <a:schemeClr val="tx1"/>
+          </a:fontRef>
+        </p:style>
+      </p:cxnSp>
+      <p:cxnSp>
+        <p:nvCxnSpPr>
+          <p:cNvPr id="20" name="直接箭头连接符 19"/>
+          <p:cNvCxnSpPr>
+            <a:endCxn id="7" idx="0"/>
+          </p:cNvCxnSpPr>
+          <p:nvPr/>
+        </p:nvCxnSpPr>
+        <p:spPr>
+          <a:xfrm>
+            <a:off x="2831465" y="2849245"/>
+            <a:ext cx="0" cy="405765"/>
+          </a:xfrm>
+          <a:prstGeom prst="straightConnector1">
+            <a:avLst/>
+          </a:prstGeom>
+          <a:ln>
+            <a:tailEnd type="arrow"/>
+          </a:ln>
+        </p:spPr>
+        <p:style>
+          <a:lnRef idx="1">
+            <a:schemeClr val="accent1"/>
+          </a:lnRef>
+          <a:fillRef idx="0">
+            <a:schemeClr val="accent1"/>
+          </a:fillRef>
+          <a:effectRef idx="0">
+            <a:schemeClr val="accent1"/>
+          </a:effectRef>
+          <a:fontRef idx="minor">
+            <a:schemeClr val="tx1"/>
+          </a:fontRef>
+        </p:style>
+      </p:cxnSp>
+      <p:cxnSp>
+        <p:nvCxnSpPr>
+          <p:cNvPr id="21" name="直接箭头连接符 20"/>
+          <p:cNvCxnSpPr/>
+          <p:nvPr/>
+        </p:nvCxnSpPr>
+        <p:spPr>
+          <a:xfrm>
+            <a:off x="3134995" y="2791460"/>
+            <a:ext cx="1493520" cy="440055"/>
+          </a:xfrm>
+          <a:prstGeom prst="straightConnector1">
+            <a:avLst/>
+          </a:prstGeom>
+          <a:ln>
+            <a:tailEnd type="arrow"/>
+          </a:ln>
+        </p:spPr>
+        <p:style>
+          <a:lnRef idx="1">
+            <a:schemeClr val="accent1"/>
+          </a:lnRef>
+          <a:fillRef idx="0">
+            <a:schemeClr val="accent1"/>
+          </a:fillRef>
+          <a:effectRef idx="0">
+            <a:schemeClr val="accent1"/>
+          </a:effectRef>
+          <a:fontRef idx="minor">
+            <a:schemeClr val="tx1"/>
+          </a:fontRef>
+        </p:style>
+      </p:cxnSp>
+      <p:sp>
+        <p:nvSpPr>
+          <p:cNvPr id="22" name="文本框 21"/>
+          <p:cNvSpPr txBox="1"/>
+          <p:nvPr/>
+        </p:nvSpPr>
+        <p:spPr>
+          <a:xfrm>
+            <a:off x="1986915" y="5444490"/>
+            <a:ext cx="1358265" cy="306705"/>
+          </a:xfrm>
+          <a:prstGeom prst="rect">
+            <a:avLst/>
+          </a:prstGeom>
+          <a:noFill/>
+        </p:spPr>
+        <p:txBody>
+          <a:bodyPr wrap="square" rtlCol="0">
+            <a:spAutoFit/>
+          </a:bodyPr>
+          <a:p>
+            <a:r>
+              <a:rPr lang="en-US" altLang="zh-CN" sz="1400">
+                <a:latin typeface="微软雅黑" charset="0"/>
+                <a:ea typeface="微软雅黑" charset="0"/>
+                <a:cs typeface="微软雅黑" charset="0"/>
+              </a:rPr>
+              <a:t>mysql(</a:t>
+            </a:r>
+            <a:r>
+              <a:rPr lang="zh-CN" altLang="en-US" sz="1400">
+                <a:latin typeface="微软雅黑" charset="0"/>
+                <a:ea typeface="微软雅黑" charset="0"/>
+                <a:cs typeface="微软雅黑" charset="0"/>
+              </a:rPr>
+              <a:t>主</a:t>
+            </a:r>
+            <a:r>
+              <a:rPr lang="en-US" altLang="zh-CN" sz="1400">
+                <a:latin typeface="微软雅黑" charset="0"/>
+                <a:ea typeface="微软雅黑" charset="0"/>
+                <a:cs typeface="微软雅黑" charset="0"/>
+              </a:rPr>
+              <a:t>)</a:t>
+            </a:r>
+            <a:endParaRPr lang="en-US" altLang="zh-CN" sz="1400">
+              <a:latin typeface="微软雅黑" charset="0"/>
+              <a:ea typeface="微软雅黑" charset="0"/>
+              <a:cs typeface="微软雅黑" charset="0"/>
+            </a:endParaRPr>
+          </a:p>
+        </p:txBody>
+      </p:sp>
+      <p:sp>
+        <p:nvSpPr>
+          <p:cNvPr id="23" name="文本框 22"/>
+          <p:cNvSpPr txBox="1"/>
+          <p:nvPr/>
+        </p:nvSpPr>
+        <p:spPr>
+          <a:xfrm>
+            <a:off x="4107180" y="5493385"/>
+            <a:ext cx="1358265" cy="306705"/>
+          </a:xfrm>
+          <a:prstGeom prst="rect">
+            <a:avLst/>
+          </a:prstGeom>
+          <a:noFill/>
+        </p:spPr>
+        <p:txBody>
+          <a:bodyPr wrap="square" rtlCol="0">
+            <a:spAutoFit/>
+          </a:bodyPr>
+          <a:p>
+            <a:r>
+              <a:rPr lang="en-US" altLang="zh-CN" sz="1400">
+                <a:latin typeface="微软雅黑" charset="0"/>
+                <a:ea typeface="微软雅黑" charset="0"/>
+                <a:cs typeface="微软雅黑" charset="0"/>
+              </a:rPr>
+              <a:t>mysql(</a:t>
+            </a:r>
+            <a:r>
+              <a:rPr lang="zh-CN" altLang="en-US" sz="1400">
+                <a:latin typeface="微软雅黑" charset="0"/>
+                <a:ea typeface="微软雅黑" charset="0"/>
+                <a:cs typeface="微软雅黑" charset="0"/>
+              </a:rPr>
+              <a:t>从</a:t>
+            </a:r>
+            <a:r>
+              <a:rPr lang="en-US" altLang="zh-CN" sz="1400">
+                <a:latin typeface="微软雅黑" charset="0"/>
+                <a:ea typeface="微软雅黑" charset="0"/>
+                <a:cs typeface="微软雅黑" charset="0"/>
+              </a:rPr>
+              <a:t>)</a:t>
+            </a:r>
+            <a:endParaRPr lang="en-US" altLang="zh-CN" sz="1400">
+              <a:latin typeface="微软雅黑" charset="0"/>
+              <a:ea typeface="微软雅黑" charset="0"/>
+              <a:cs typeface="微软雅黑" charset="0"/>
+            </a:endParaRPr>
+          </a:p>
+        </p:txBody>
+      </p:sp>
+      <p:cxnSp>
+        <p:nvCxnSpPr>
+          <p:cNvPr id="24" name="直接箭头连接符 23"/>
+          <p:cNvCxnSpPr/>
+          <p:nvPr/>
+        </p:nvCxnSpPr>
+        <p:spPr>
+          <a:xfrm>
+            <a:off x="948690" y="3978910"/>
+            <a:ext cx="1042035" cy="747395"/>
+          </a:xfrm>
+          <a:prstGeom prst="straightConnector1">
+            <a:avLst/>
+          </a:prstGeom>
+          <a:ln>
+            <a:tailEnd type="arrow"/>
+          </a:ln>
+        </p:spPr>
+        <p:style>
+          <a:lnRef idx="1">
+            <a:schemeClr val="accent1"/>
+          </a:lnRef>
+          <a:fillRef idx="0">
+            <a:schemeClr val="accent1"/>
+          </a:fillRef>
+          <a:effectRef idx="0">
+            <a:schemeClr val="accent1"/>
+          </a:effectRef>
+          <a:fontRef idx="minor">
+            <a:schemeClr val="tx1"/>
+          </a:fontRef>
+        </p:style>
+      </p:cxnSp>
+      <p:cxnSp>
+        <p:nvCxnSpPr>
+          <p:cNvPr id="25" name="直接箭头连接符 24"/>
+          <p:cNvCxnSpPr>
+            <a:stCxn id="7" idx="2"/>
+          </p:cNvCxnSpPr>
+          <p:nvPr/>
+        </p:nvCxnSpPr>
+        <p:spPr>
+          <a:xfrm flipH="1">
+            <a:off x="2210435" y="3978910"/>
+            <a:ext cx="621030" cy="666115"/>
+          </a:xfrm>
+          <a:prstGeom prst="straightConnector1">
+            <a:avLst/>
+          </a:prstGeom>
+          <a:ln>
+            <a:tailEnd type="arrow"/>
+          </a:ln>
+        </p:spPr>
+        <p:style>
+          <a:lnRef idx="1">
+            <a:schemeClr val="accent1"/>
+          </a:lnRef>
+          <a:fillRef idx="0">
+            <a:schemeClr val="accent1"/>
+          </a:fillRef>
+          <a:effectRef idx="0">
+            <a:schemeClr val="accent1"/>
+          </a:effectRef>
+          <a:fontRef idx="minor">
+            <a:schemeClr val="tx1"/>
+          </a:fontRef>
+        </p:style>
+      </p:cxnSp>
+      <p:cxnSp>
+        <p:nvCxnSpPr>
+          <p:cNvPr id="26" name="直接箭头连接符 25"/>
+          <p:cNvCxnSpPr/>
+          <p:nvPr/>
+        </p:nvCxnSpPr>
+        <p:spPr>
+          <a:xfrm flipH="1">
+            <a:off x="2419350" y="3880485"/>
+            <a:ext cx="2194560" cy="915035"/>
+          </a:xfrm>
+          <a:prstGeom prst="straightConnector1">
+            <a:avLst/>
+          </a:prstGeom>
+          <a:ln>
+            <a:tailEnd type="arrow"/>
+          </a:ln>
+        </p:spPr>
+        <p:style>
+          <a:lnRef idx="1">
+            <a:schemeClr val="accent1"/>
+          </a:lnRef>
+          <a:fillRef idx="0">
+            <a:schemeClr val="accent1"/>
+          </a:fillRef>
+          <a:effectRef idx="0">
+            <a:schemeClr val="accent1"/>
+          </a:effectRef>
+          <a:fontRef idx="minor">
+            <a:schemeClr val="tx1"/>
+          </a:fontRef>
+        </p:style>
+      </p:cxnSp>
+      <p:cxnSp>
+        <p:nvCxnSpPr>
+          <p:cNvPr id="27" name="直接箭头连接符 26"/>
+          <p:cNvCxnSpPr>
+            <a:stCxn id="8" idx="3"/>
+          </p:cNvCxnSpPr>
+          <p:nvPr/>
+        </p:nvCxnSpPr>
+        <p:spPr>
+          <a:xfrm>
+            <a:off x="2527300" y="5129530"/>
+            <a:ext cx="817880" cy="0"/>
+          </a:xfrm>
+          <a:prstGeom prst="straightConnector1">
+            <a:avLst/>
+          </a:prstGeom>
+          <a:ln>
+            <a:tailEnd type="arrow"/>
+          </a:ln>
+        </p:spPr>
+        <p:style>
+          <a:lnRef idx="1">
+            <a:schemeClr val="accent1"/>
+          </a:lnRef>
+          <a:fillRef idx="0">
+            <a:schemeClr val="accent1"/>
+          </a:fillRef>
+          <a:effectRef idx="0">
+            <a:schemeClr val="accent1"/>
+          </a:effectRef>
+          <a:fontRef idx="minor">
+            <a:schemeClr val="tx1"/>
+          </a:fontRef>
+        </p:style>
+      </p:cxnSp>
+      <p:sp>
+        <p:nvSpPr>
+          <p:cNvPr id="28" name="文本框 27"/>
+          <p:cNvSpPr txBox="1"/>
+          <p:nvPr/>
+        </p:nvSpPr>
+        <p:spPr>
+          <a:xfrm>
+            <a:off x="6511925" y="1375410"/>
+            <a:ext cx="5303520" cy="1198880"/>
+          </a:xfrm>
+          <a:prstGeom prst="rect">
+            <a:avLst/>
+          </a:prstGeom>
+          <a:noFill/>
+        </p:spPr>
+        <p:txBody>
+          <a:bodyPr wrap="square" rtlCol="0">
+            <a:spAutoFit/>
+          </a:bodyPr>
+          <a:p>
+            <a:endParaRPr lang="zh-CN" altLang="en-US">
+              <a:latin typeface="微软雅黑" charset="0"/>
+              <a:ea typeface="微软雅黑" charset="0"/>
+              <a:cs typeface="微软雅黑" charset="0"/>
+            </a:endParaRPr>
+          </a:p>
+          <a:p>
+            <a:r>
+              <a:rPr lang="zh-CN" altLang="en-US">
+                <a:latin typeface="微软雅黑" charset="0"/>
+                <a:ea typeface="微软雅黑" charset="0"/>
+                <a:cs typeface="微软雅黑" charset="0"/>
+              </a:rPr>
+              <a:t>优点：满足业数据高可用，数据高可用。</a:t>
+            </a:r>
+            <a:endParaRPr lang="zh-CN" altLang="en-US">
+              <a:latin typeface="微软雅黑" charset="0"/>
+              <a:ea typeface="微软雅黑" charset="0"/>
+              <a:cs typeface="微软雅黑" charset="0"/>
+            </a:endParaRPr>
+          </a:p>
+          <a:p>
+            <a:endParaRPr lang="zh-CN" altLang="en-US">
+              <a:latin typeface="微软雅黑" charset="0"/>
+              <a:ea typeface="微软雅黑" charset="0"/>
+              <a:cs typeface="微软雅黑" charset="0"/>
+            </a:endParaRPr>
+          </a:p>
+          <a:p>
+            <a:r>
+              <a:rPr lang="zh-CN" altLang="en-US">
+                <a:latin typeface="微软雅黑" charset="0"/>
+                <a:ea typeface="微软雅黑" charset="0"/>
+                <a:cs typeface="微软雅黑" charset="0"/>
+              </a:rPr>
+              <a:t>缺点：成本较高。</a:t>
+            </a:r>
+            <a:endParaRPr lang="zh-CN" altLang="en-US">
+              <a:latin typeface="微软雅黑" charset="0"/>
+              <a:ea typeface="微软雅黑" charset="0"/>
+              <a:cs typeface="微软雅黑" charset="0"/>
+            </a:endParaRPr>
+          </a:p>
+        </p:txBody>
+      </p:sp>
+      <p:sp>
+        <p:nvSpPr>
+          <p:cNvPr id="29" name="文本框 28"/>
+          <p:cNvSpPr txBox="1"/>
+          <p:nvPr/>
+        </p:nvSpPr>
+        <p:spPr>
+          <a:xfrm>
+            <a:off x="614680" y="5925820"/>
+            <a:ext cx="8999855" cy="645160"/>
+          </a:xfrm>
+          <a:prstGeom prst="rect">
+            <a:avLst/>
+          </a:prstGeom>
+          <a:noFill/>
+        </p:spPr>
+        <p:txBody>
+          <a:bodyPr wrap="square" rtlCol="0">
+            <a:spAutoFit/>
+          </a:bodyPr>
+          <a:p>
+            <a:r>
+              <a:rPr lang="en-US" altLang="zh-CN">
+                <a:latin typeface="微软雅黑" charset="0"/>
+                <a:ea typeface="微软雅黑" charset="0"/>
+                <a:cs typeface="微软雅黑" charset="0"/>
+              </a:rPr>
+              <a:t>Nginx</a:t>
+            </a:r>
+            <a:r>
+              <a:rPr lang="zh-CN" altLang="en-US">
+                <a:latin typeface="微软雅黑" charset="0"/>
+                <a:ea typeface="微软雅黑" charset="0"/>
+                <a:cs typeface="微软雅黑" charset="0"/>
+              </a:rPr>
+              <a:t>服务器暴露公网</a:t>
+            </a:r>
+            <a:r>
+              <a:rPr lang="en-US" altLang="zh-CN">
+                <a:latin typeface="微软雅黑" charset="0"/>
+                <a:ea typeface="微软雅黑" charset="0"/>
+                <a:cs typeface="微软雅黑" charset="0"/>
+              </a:rPr>
+              <a:t>IP</a:t>
+            </a:r>
+            <a:r>
+              <a:rPr lang="zh-CN" altLang="en-US">
+                <a:latin typeface="微软雅黑" charset="0"/>
+                <a:ea typeface="微软雅黑" charset="0"/>
+                <a:cs typeface="微软雅黑" charset="0"/>
+              </a:rPr>
+              <a:t>，同时做负载均衡；业务多节点部署，每个节点都部署所有子系统，保证一定的可用性；</a:t>
+            </a:r>
+            <a:r>
+              <a:rPr lang="en-US" altLang="zh-CN">
+                <a:latin typeface="微软雅黑" charset="0"/>
+                <a:ea typeface="微软雅黑" charset="0"/>
+                <a:cs typeface="微软雅黑" charset="0"/>
+              </a:rPr>
+              <a:t>Mysql</a:t>
+            </a:r>
+            <a:r>
+              <a:rPr lang="zh-CN" altLang="en-US">
+                <a:latin typeface="微软雅黑" charset="0"/>
+                <a:ea typeface="微软雅黑" charset="0"/>
+                <a:cs typeface="微软雅黑" charset="0"/>
+              </a:rPr>
+              <a:t>主从单独部署，保证数据高可用。</a:t>
+            </a:r>
+            <a:endParaRPr lang="zh-CN" altLang="en-US">
+              <a:latin typeface="微软雅黑" charset="0"/>
+              <a:ea typeface="微软雅黑" charset="0"/>
+              <a:cs typeface="微软雅黑" charset="0"/>
+            </a:endParaRPr>
+          </a:p>
+        </p:txBody>
+      </p:sp>
+    </p:spTree>
+  </p:cSld>
+  <p:clrMapOvr>
+    <a:masterClrMapping/>
+  </p:clrMapOvr>
+</p:sld>
+</file>
+
+<file path=ppt/slides/slide4.xml><?xml version="1.0" encoding="utf-8"?>
+<p:sld xmlns:a="http://schemas.openxmlformats.org/drawingml/2006/main" xmlns:r="http://schemas.openxmlformats.org/officeDocument/2006/relationships" xmlns:p="http://schemas.openxmlformats.org/presentationml/2006/main">
+  <p:cSld>
+    <p:spTree>
+      <p:nvGrpSpPr>
+        <p:cNvPr id="1" name=""/>
+        <p:cNvGrpSpPr/>
+        <p:nvPr/>
+      </p:nvGrpSpPr>
+      <p:grpSpPr/>
+      <p:sp>
+        <p:nvSpPr>
+          <p:cNvPr id="3" name="副标题 1"/>
+          <p:cNvSpPr/>
+          <p:nvPr/>
+        </p:nvSpPr>
+        <p:spPr>
+          <a:xfrm>
+            <a:off x="690880" y="254635"/>
+            <a:ext cx="10810240" cy="534670"/>
+          </a:xfrm>
+          <a:prstGeom prst="rect">
+            <a:avLst/>
+          </a:prstGeom>
+        </p:spPr>
+        <p:txBody>
+          <a:bodyPr vert="horz" lIns="91440" tIns="45720" rIns="91440" bIns="45720" rtlCol="0">
+            <a:noAutofit/>
+          </a:bodyPr>
+          <a:lstStyle>
+            <a:lvl1pPr marL="0" indent="0" algn="ctr" defTabSz="914400" rtl="0" eaLnBrk="1" latinLnBrk="0" hangingPunct="1">
+              <a:lnSpc>
+                <a:spcPct val="90000"/>
+              </a:lnSpc>
+              <a:spcBef>
+                <a:spcPts val="1000"/>
+              </a:spcBef>
+              <a:buFont typeface="Arial" panose="020B0604020202090204" pitchFamily="34" charset="0"/>
+              <a:buNone/>
+              <a:defRPr sz="2400" kern="1200">
+                <a:solidFill>
+                  <a:schemeClr val="tx1"/>
+                </a:solidFill>
+                <a:latin typeface="+mn-lt"/>
+                <a:ea typeface="+mn-ea"/>
+                <a:cs typeface="+mn-cs"/>
+              </a:defRPr>
+            </a:lvl1pPr>
+            <a:lvl2pPr marL="457200" indent="0" algn="ctr" defTabSz="914400" rtl="0" eaLnBrk="1" latinLnBrk="0" hangingPunct="1">
+              <a:lnSpc>
+                <a:spcPct val="90000"/>
+              </a:lnSpc>
+              <a:spcBef>
+                <a:spcPts val="500"/>
+              </a:spcBef>
+              <a:buFont typeface="Arial" panose="020B0604020202090204" pitchFamily="34" charset="0"/>
+              <a:buNone/>
+              <a:defRPr sz="2000" kern="1200">
+                <a:solidFill>
+                  <a:schemeClr val="tx1"/>
+                </a:solidFill>
+                <a:latin typeface="+mn-lt"/>
+                <a:ea typeface="+mn-ea"/>
+                <a:cs typeface="+mn-cs"/>
+              </a:defRPr>
+            </a:lvl2pPr>
+            <a:lvl3pPr marL="914400" indent="0" algn="ctr" defTabSz="914400" rtl="0" eaLnBrk="1" latinLnBrk="0" hangingPunct="1">
+              <a:lnSpc>
+                <a:spcPct val="90000"/>
+              </a:lnSpc>
+              <a:spcBef>
+                <a:spcPts val="500"/>
+              </a:spcBef>
+              <a:buFont typeface="Arial" panose="020B0604020202090204" pitchFamily="34" charset="0"/>
+              <a:buNone/>
+              <a:defRPr sz="1800" kern="1200">
+                <a:solidFill>
+                  <a:schemeClr val="tx1"/>
+                </a:solidFill>
+                <a:latin typeface="+mn-lt"/>
+                <a:ea typeface="+mn-ea"/>
+                <a:cs typeface="+mn-cs"/>
+              </a:defRPr>
+            </a:lvl3pPr>
+            <a:lvl4pPr marL="1371600" indent="0" algn="ctr" defTabSz="914400" rtl="0" eaLnBrk="1" latinLnBrk="0" hangingPunct="1">
+              <a:lnSpc>
+                <a:spcPct val="90000"/>
+              </a:lnSpc>
+              <a:spcBef>
+                <a:spcPts val="500"/>
+              </a:spcBef>
+              <a:buFont typeface="Arial" panose="020B0604020202090204" pitchFamily="34" charset="0"/>
+              <a:buNone/>
+              <a:defRPr sz="1600" kern="1200">
+                <a:solidFill>
+                  <a:schemeClr val="tx1"/>
+                </a:solidFill>
+                <a:latin typeface="+mn-lt"/>
+                <a:ea typeface="+mn-ea"/>
+                <a:cs typeface="+mn-cs"/>
+              </a:defRPr>
+            </a:lvl4pPr>
+            <a:lvl5pPr marL="1828800" indent="0" algn="ctr" defTabSz="914400" rtl="0" eaLnBrk="1" latinLnBrk="0" hangingPunct="1">
+              <a:lnSpc>
+                <a:spcPct val="90000"/>
+              </a:lnSpc>
+              <a:spcBef>
+                <a:spcPts val="500"/>
+              </a:spcBef>
+              <a:buFont typeface="Arial" panose="020B0604020202090204" pitchFamily="34" charset="0"/>
+              <a:buNone/>
+              <a:defRPr sz="1600" kern="1200">
+                <a:solidFill>
+                  <a:schemeClr val="tx1"/>
+                </a:solidFill>
+                <a:latin typeface="+mn-lt"/>
+                <a:ea typeface="+mn-ea"/>
+                <a:cs typeface="+mn-cs"/>
+              </a:defRPr>
+            </a:lvl5pPr>
+            <a:lvl6pPr marL="2286000" indent="0" algn="ctr" defTabSz="914400" rtl="0" eaLnBrk="1" latinLnBrk="0" hangingPunct="1">
+              <a:lnSpc>
+                <a:spcPct val="90000"/>
+              </a:lnSpc>
+              <a:spcBef>
+                <a:spcPts val="500"/>
+              </a:spcBef>
+              <a:buFont typeface="Arial" panose="020B0604020202090204" pitchFamily="34" charset="0"/>
+              <a:buNone/>
+              <a:defRPr sz="1600" kern="1200">
+                <a:solidFill>
+                  <a:schemeClr val="tx1"/>
+                </a:solidFill>
+                <a:latin typeface="+mn-lt"/>
+                <a:ea typeface="+mn-ea"/>
+                <a:cs typeface="+mn-cs"/>
+              </a:defRPr>
+            </a:lvl6pPr>
+            <a:lvl7pPr marL="2743200" indent="0" algn="ctr" defTabSz="914400" rtl="0" eaLnBrk="1" latinLnBrk="0" hangingPunct="1">
+              <a:lnSpc>
+                <a:spcPct val="90000"/>
+              </a:lnSpc>
+              <a:spcBef>
+                <a:spcPts val="500"/>
+              </a:spcBef>
+              <a:buFont typeface="Arial" panose="020B0604020202090204" pitchFamily="34" charset="0"/>
+              <a:buNone/>
+              <a:defRPr sz="1600" kern="1200">
+                <a:solidFill>
+                  <a:schemeClr val="tx1"/>
+                </a:solidFill>
+                <a:latin typeface="+mn-lt"/>
+                <a:ea typeface="+mn-ea"/>
+                <a:cs typeface="+mn-cs"/>
+              </a:defRPr>
+            </a:lvl7pPr>
+            <a:lvl8pPr marL="3200400" indent="0" algn="ctr" defTabSz="914400" rtl="0" eaLnBrk="1" latinLnBrk="0" hangingPunct="1">
+              <a:lnSpc>
+                <a:spcPct val="90000"/>
+              </a:lnSpc>
+              <a:spcBef>
+                <a:spcPts val="500"/>
+              </a:spcBef>
+              <a:buFont typeface="Arial" panose="020B0604020202090204" pitchFamily="34" charset="0"/>
+              <a:buNone/>
+              <a:defRPr sz="1600" kern="1200">
+                <a:solidFill>
+                  <a:schemeClr val="tx1"/>
+                </a:solidFill>
+                <a:latin typeface="+mn-lt"/>
+                <a:ea typeface="+mn-ea"/>
+                <a:cs typeface="+mn-cs"/>
+              </a:defRPr>
+            </a:lvl8pPr>
+            <a:lvl9pPr marL="3657600" indent="0" algn="ctr" defTabSz="914400" rtl="0" eaLnBrk="1" latinLnBrk="0" hangingPunct="1">
+              <a:lnSpc>
+                <a:spcPct val="90000"/>
+              </a:lnSpc>
+              <a:spcBef>
+                <a:spcPts val="500"/>
+              </a:spcBef>
+              <a:buFont typeface="Arial" panose="020B0604020202090204" pitchFamily="34" charset="0"/>
+              <a:buNone/>
+              <a:defRPr sz="1600" kern="1200">
+                <a:solidFill>
+                  <a:schemeClr val="tx1"/>
+                </a:solidFill>
+                <a:latin typeface="+mn-lt"/>
+                <a:ea typeface="+mn-ea"/>
+                <a:cs typeface="+mn-cs"/>
+              </a:defRPr>
+            </a:lvl9pPr>
+          </a:lstStyle>
+          <a:p>
+            <a:pPr algn="l"/>
+            <a:r>
+              <a:rPr lang="zh-CN" altLang="en-US" sz="3200">
+                <a:latin typeface="微软雅黑" charset="0"/>
+                <a:ea typeface="微软雅黑" charset="0"/>
+              </a:rPr>
+              <a:t>备选架构二</a:t>
+            </a:r>
+            <a:endParaRPr lang="zh-CN" altLang="en-US" sz="3200">
+              <a:latin typeface="微软雅黑" charset="0"/>
+              <a:ea typeface="微软雅黑" charset="0"/>
+            </a:endParaRPr>
+          </a:p>
+        </p:txBody>
+      </p:sp>
+      <p:pic>
+        <p:nvPicPr>
+          <p:cNvPr id="6" name="图片 5" descr="通用服务器"/>
+          <p:cNvPicPr>
+            <a:picLocks noChangeAspect="1"/>
+          </p:cNvPicPr>
+          <p:nvPr/>
+        </p:nvPicPr>
+        <p:blipFill>
+          <a:blip r:embed="rId1"/>
+          <a:stretch>
+            <a:fillRect/>
+          </a:stretch>
+        </p:blipFill>
+        <p:spPr>
+          <a:xfrm>
+            <a:off x="1656080" y="3093720"/>
+            <a:ext cx="845185" cy="1173480"/>
+          </a:xfrm>
+          <a:prstGeom prst="rect">
+            <a:avLst/>
+          </a:prstGeom>
+        </p:spPr>
+      </p:pic>
+      <p:pic>
+        <p:nvPicPr>
+          <p:cNvPr id="7" name="图片 6" descr="通用服务器"/>
+          <p:cNvPicPr>
+            <a:picLocks noChangeAspect="1"/>
+          </p:cNvPicPr>
+          <p:nvPr/>
+        </p:nvPicPr>
+        <p:blipFill>
+          <a:blip r:embed="rId1"/>
+          <a:stretch>
+            <a:fillRect/>
+          </a:stretch>
+        </p:blipFill>
+        <p:spPr>
+          <a:xfrm>
+            <a:off x="4366260" y="3051175"/>
+            <a:ext cx="844550" cy="1172845"/>
+          </a:xfrm>
+          <a:prstGeom prst="rect">
+            <a:avLst/>
+          </a:prstGeom>
+        </p:spPr>
+      </p:pic>
+      <p:pic>
+        <p:nvPicPr>
+          <p:cNvPr id="8" name="图片 7" descr="database-配置"/>
+          <p:cNvPicPr>
+            <a:picLocks noChangeAspect="1"/>
+          </p:cNvPicPr>
+          <p:nvPr/>
+        </p:nvPicPr>
+        <p:blipFill>
+          <a:blip r:embed="rId2"/>
+          <a:stretch>
+            <a:fillRect/>
+          </a:stretch>
+        </p:blipFill>
+        <p:spPr>
+          <a:xfrm>
+            <a:off x="2280285" y="3729990"/>
+            <a:ext cx="722438" cy="722438"/>
+          </a:xfrm>
+          <a:prstGeom prst="rect">
+            <a:avLst/>
+          </a:prstGeom>
+        </p:spPr>
+      </p:pic>
+      <p:pic>
+        <p:nvPicPr>
+          <p:cNvPr id="9" name="图片 8" descr="database-配置"/>
+          <p:cNvPicPr>
+            <a:picLocks noChangeAspect="1"/>
+          </p:cNvPicPr>
+          <p:nvPr/>
+        </p:nvPicPr>
+        <p:blipFill>
+          <a:blip r:embed="rId2"/>
+          <a:stretch>
+            <a:fillRect/>
+          </a:stretch>
+        </p:blipFill>
+        <p:spPr>
+          <a:xfrm>
+            <a:off x="4863465" y="3754120"/>
+            <a:ext cx="722438" cy="722438"/>
+          </a:xfrm>
+          <a:prstGeom prst="rect">
+            <a:avLst/>
+          </a:prstGeom>
+        </p:spPr>
+      </p:pic>
+      <p:pic>
+        <p:nvPicPr>
+          <p:cNvPr id="11" name="图片 10" descr="代理服务器"/>
+          <p:cNvPicPr>
+            <a:picLocks noChangeAspect="1"/>
+          </p:cNvPicPr>
+          <p:nvPr/>
+        </p:nvPicPr>
+        <p:blipFill>
+          <a:blip r:embed="rId3"/>
+          <a:stretch>
+            <a:fillRect/>
+          </a:stretch>
+        </p:blipFill>
+        <p:spPr>
+          <a:xfrm>
+            <a:off x="3415665" y="1474470"/>
+            <a:ext cx="840105" cy="1252220"/>
+          </a:xfrm>
+          <a:prstGeom prst="rect">
+            <a:avLst/>
+          </a:prstGeom>
+        </p:spPr>
+      </p:pic>
+      <p:sp>
+        <p:nvSpPr>
+          <p:cNvPr id="12" name="文本框 11"/>
+          <p:cNvSpPr txBox="1"/>
+          <p:nvPr/>
+        </p:nvSpPr>
+        <p:spPr>
+          <a:xfrm>
+            <a:off x="4515485" y="1958975"/>
+            <a:ext cx="660400" cy="306705"/>
+          </a:xfrm>
+          <a:prstGeom prst="rect">
+            <a:avLst/>
+          </a:prstGeom>
+          <a:noFill/>
+        </p:spPr>
+        <p:txBody>
+          <a:bodyPr wrap="square" rtlCol="0">
+            <a:spAutoFit/>
+          </a:bodyPr>
+          <a:p>
+            <a:r>
+              <a:rPr lang="en-US" altLang="zh-CN" sz="1400"/>
+              <a:t>DNS</a:t>
+            </a:r>
+            <a:endParaRPr lang="en-US" altLang="zh-CN" sz="1400"/>
+          </a:p>
+        </p:txBody>
+      </p:sp>
+      <p:sp>
+        <p:nvSpPr>
+          <p:cNvPr id="14" name="文本框 13"/>
+          <p:cNvSpPr txBox="1"/>
+          <p:nvPr/>
+        </p:nvSpPr>
+        <p:spPr>
+          <a:xfrm>
+            <a:off x="2382520" y="3107055"/>
+            <a:ext cx="870585" cy="306705"/>
+          </a:xfrm>
+          <a:prstGeom prst="rect">
+            <a:avLst/>
+          </a:prstGeom>
+          <a:noFill/>
+        </p:spPr>
+        <p:txBody>
+          <a:bodyPr wrap="square" rtlCol="0">
+            <a:spAutoFit/>
+          </a:bodyPr>
+          <a:p>
+            <a:r>
+              <a:rPr lang="zh-CN" altLang="en-US" sz="1400"/>
+              <a:t>公网</a:t>
+            </a:r>
+            <a:r>
+              <a:rPr lang="en-US" altLang="zh-CN" sz="1400"/>
+              <a:t>IP1</a:t>
+            </a:r>
+            <a:endParaRPr lang="en-US" altLang="zh-CN" sz="1400"/>
+          </a:p>
+        </p:txBody>
+      </p:sp>
+      <p:sp>
+        <p:nvSpPr>
+          <p:cNvPr id="15" name="文本框 14"/>
+          <p:cNvSpPr txBox="1"/>
+          <p:nvPr/>
+        </p:nvSpPr>
+        <p:spPr>
+          <a:xfrm>
+            <a:off x="2389505" y="3380740"/>
+            <a:ext cx="1358265" cy="306705"/>
+          </a:xfrm>
+          <a:prstGeom prst="rect">
+            <a:avLst/>
+          </a:prstGeom>
+          <a:noFill/>
+        </p:spPr>
+        <p:txBody>
+          <a:bodyPr wrap="square" rtlCol="0">
+            <a:spAutoFit/>
+          </a:bodyPr>
+          <a:p>
+            <a:r>
+              <a:rPr lang="zh-CN" altLang="en-US" sz="1400"/>
+              <a:t>业务服务器</a:t>
+            </a:r>
+            <a:r>
+              <a:rPr lang="en-US" altLang="zh-CN" sz="1400"/>
+              <a:t>1</a:t>
+            </a:r>
+            <a:endParaRPr lang="en-US" altLang="zh-CN" sz="1400"/>
+          </a:p>
+        </p:txBody>
+      </p:sp>
+      <p:sp>
+        <p:nvSpPr>
+          <p:cNvPr id="16" name="文本框 15"/>
+          <p:cNvSpPr txBox="1"/>
+          <p:nvPr/>
+        </p:nvSpPr>
+        <p:spPr>
+          <a:xfrm>
+            <a:off x="5175885" y="3423285"/>
+            <a:ext cx="1358265" cy="306705"/>
+          </a:xfrm>
+          <a:prstGeom prst="rect">
+            <a:avLst/>
+          </a:prstGeom>
+          <a:noFill/>
+        </p:spPr>
+        <p:txBody>
+          <a:bodyPr wrap="square" rtlCol="0">
+            <a:spAutoFit/>
+          </a:bodyPr>
+          <a:p>
+            <a:r>
+              <a:rPr lang="zh-CN" altLang="en-US" sz="1400"/>
+              <a:t>业务服务器</a:t>
+            </a:r>
+            <a:r>
+              <a:rPr lang="en-US" altLang="zh-CN" sz="1400"/>
+              <a:t>2</a:t>
+            </a:r>
+            <a:endParaRPr lang="en-US" altLang="zh-CN" sz="1400"/>
+          </a:p>
+        </p:txBody>
+      </p:sp>
+      <p:cxnSp>
+        <p:nvCxnSpPr>
+          <p:cNvPr id="19" name="直接箭头连接符 18"/>
+          <p:cNvCxnSpPr/>
+          <p:nvPr/>
+        </p:nvCxnSpPr>
+        <p:spPr>
+          <a:xfrm flipH="1">
+            <a:off x="2501265" y="2588260"/>
+            <a:ext cx="1134745" cy="518795"/>
+          </a:xfrm>
+          <a:prstGeom prst="straightConnector1">
+            <a:avLst/>
+          </a:prstGeom>
+          <a:ln>
+            <a:tailEnd type="arrow"/>
+          </a:ln>
+        </p:spPr>
+        <p:style>
+          <a:lnRef idx="1">
+            <a:schemeClr val="accent1"/>
+          </a:lnRef>
+          <a:fillRef idx="0">
+            <a:schemeClr val="accent1"/>
+          </a:fillRef>
+          <a:effectRef idx="0">
+            <a:schemeClr val="accent1"/>
+          </a:effectRef>
+          <a:fontRef idx="minor">
+            <a:schemeClr val="tx1"/>
+          </a:fontRef>
+        </p:style>
+      </p:cxnSp>
+      <p:cxnSp>
+        <p:nvCxnSpPr>
+          <p:cNvPr id="20" name="直接箭头连接符 19"/>
+          <p:cNvCxnSpPr>
+            <a:endCxn id="7" idx="0"/>
+          </p:cNvCxnSpPr>
+          <p:nvPr/>
+        </p:nvCxnSpPr>
+        <p:spPr>
+          <a:xfrm>
+            <a:off x="4093210" y="2644140"/>
+            <a:ext cx="695325" cy="407035"/>
+          </a:xfrm>
+          <a:prstGeom prst="straightConnector1">
+            <a:avLst/>
+          </a:prstGeom>
+          <a:ln>
+            <a:tailEnd type="arrow"/>
+          </a:ln>
+        </p:spPr>
+        <p:style>
+          <a:lnRef idx="1">
+            <a:schemeClr val="accent1"/>
+          </a:lnRef>
+          <a:fillRef idx="0">
+            <a:schemeClr val="accent1"/>
+          </a:fillRef>
+          <a:effectRef idx="0">
+            <a:schemeClr val="accent1"/>
+          </a:effectRef>
+          <a:fontRef idx="minor">
+            <a:schemeClr val="tx1"/>
+          </a:fontRef>
+        </p:style>
+      </p:cxnSp>
+      <p:sp>
+        <p:nvSpPr>
+          <p:cNvPr id="22" name="文本框 21"/>
+          <p:cNvSpPr txBox="1"/>
+          <p:nvPr/>
+        </p:nvSpPr>
+        <p:spPr>
+          <a:xfrm>
+            <a:off x="1962785" y="4663440"/>
+            <a:ext cx="1358265" cy="306705"/>
+          </a:xfrm>
+          <a:prstGeom prst="rect">
+            <a:avLst/>
+          </a:prstGeom>
+          <a:noFill/>
+        </p:spPr>
+        <p:txBody>
+          <a:bodyPr wrap="square" rtlCol="0">
+            <a:spAutoFit/>
+          </a:bodyPr>
+          <a:p>
+            <a:r>
+              <a:rPr lang="en-US" altLang="zh-CN" sz="1400"/>
+              <a:t>mysql(</a:t>
+            </a:r>
+            <a:r>
+              <a:rPr lang="zh-CN" altLang="en-US" sz="1400"/>
+              <a:t>主</a:t>
+            </a:r>
+            <a:r>
+              <a:rPr lang="en-US" altLang="zh-CN" sz="1400"/>
+              <a:t>)</a:t>
+            </a:r>
+            <a:endParaRPr lang="en-US" altLang="zh-CN" sz="1400"/>
+          </a:p>
+        </p:txBody>
+      </p:sp>
+      <p:sp>
+        <p:nvSpPr>
+          <p:cNvPr id="23" name="文本框 22"/>
+          <p:cNvSpPr txBox="1"/>
+          <p:nvPr/>
+        </p:nvSpPr>
+        <p:spPr>
+          <a:xfrm>
+            <a:off x="4366260" y="4663440"/>
+            <a:ext cx="1358265" cy="306705"/>
+          </a:xfrm>
+          <a:prstGeom prst="rect">
+            <a:avLst/>
+          </a:prstGeom>
+          <a:noFill/>
+        </p:spPr>
+        <p:txBody>
+          <a:bodyPr wrap="square" rtlCol="0">
+            <a:spAutoFit/>
+          </a:bodyPr>
+          <a:p>
+            <a:r>
+              <a:rPr lang="en-US" altLang="zh-CN" sz="1400"/>
+              <a:t>mysql(</a:t>
+            </a:r>
+            <a:r>
+              <a:rPr lang="zh-CN" altLang="en-US" sz="1400"/>
+              <a:t>从</a:t>
+            </a:r>
+            <a:r>
+              <a:rPr lang="en-US" altLang="zh-CN" sz="1400"/>
+              <a:t>)</a:t>
+            </a:r>
+            <a:endParaRPr lang="en-US" altLang="zh-CN" sz="1400"/>
+          </a:p>
+        </p:txBody>
+      </p:sp>
+      <p:sp>
+        <p:nvSpPr>
+          <p:cNvPr id="2" name="文本框 1"/>
+          <p:cNvSpPr txBox="1"/>
+          <p:nvPr/>
+        </p:nvSpPr>
+        <p:spPr>
+          <a:xfrm>
+            <a:off x="5080000" y="3116580"/>
+            <a:ext cx="870585" cy="306705"/>
+          </a:xfrm>
+          <a:prstGeom prst="rect">
+            <a:avLst/>
+          </a:prstGeom>
+          <a:noFill/>
+        </p:spPr>
+        <p:txBody>
+          <a:bodyPr wrap="square" rtlCol="0">
+            <a:spAutoFit/>
+          </a:bodyPr>
+          <a:p>
+            <a:r>
+              <a:rPr lang="zh-CN" altLang="en-US" sz="1400"/>
+              <a:t>公网</a:t>
+            </a:r>
+            <a:r>
+              <a:rPr lang="en-US" altLang="zh-CN" sz="1400"/>
+              <a:t>IP2</a:t>
+            </a:r>
+            <a:endParaRPr lang="en-US" altLang="zh-CN" sz="1400"/>
+          </a:p>
+        </p:txBody>
+      </p:sp>
+      <p:cxnSp>
+        <p:nvCxnSpPr>
+          <p:cNvPr id="28" name="直接箭头连接符 27"/>
+          <p:cNvCxnSpPr/>
+          <p:nvPr/>
+        </p:nvCxnSpPr>
+        <p:spPr>
+          <a:xfrm>
+            <a:off x="3079115" y="4387215"/>
+            <a:ext cx="1470660" cy="0"/>
+          </a:xfrm>
+          <a:prstGeom prst="straightConnector1">
+            <a:avLst/>
+          </a:prstGeom>
+          <a:ln>
+            <a:tailEnd type="arrow"/>
+          </a:ln>
+        </p:spPr>
+        <p:style>
+          <a:lnRef idx="1">
+            <a:schemeClr val="accent1"/>
+          </a:lnRef>
+          <a:fillRef idx="0">
+            <a:schemeClr val="accent1"/>
+          </a:fillRef>
+          <a:effectRef idx="0">
+            <a:schemeClr val="accent1"/>
+          </a:effectRef>
+          <a:fontRef idx="minor">
+            <a:schemeClr val="tx1"/>
+          </a:fontRef>
+        </p:style>
+      </p:cxnSp>
+      <p:sp>
+        <p:nvSpPr>
+          <p:cNvPr id="29" name="文本框 28"/>
+          <p:cNvSpPr txBox="1"/>
+          <p:nvPr/>
+        </p:nvSpPr>
+        <p:spPr>
+          <a:xfrm>
+            <a:off x="956945" y="5555615"/>
+            <a:ext cx="8999855" cy="645160"/>
+          </a:xfrm>
+          <a:prstGeom prst="rect">
+            <a:avLst/>
+          </a:prstGeom>
+          <a:noFill/>
+        </p:spPr>
+        <p:txBody>
+          <a:bodyPr wrap="square" rtlCol="0">
+            <a:spAutoFit/>
+          </a:bodyPr>
+          <a:p>
+            <a:r>
+              <a:rPr lang="zh-CN" altLang="en-US">
+                <a:latin typeface="微软雅黑" charset="0"/>
+                <a:ea typeface="微软雅黑" charset="0"/>
+                <a:cs typeface="微软雅黑" charset="0"/>
+              </a:rPr>
+              <a:t>通过</a:t>
+            </a:r>
+            <a:r>
+              <a:rPr lang="en-US" altLang="zh-CN">
+                <a:latin typeface="微软雅黑" charset="0"/>
+                <a:ea typeface="微软雅黑" charset="0"/>
+                <a:cs typeface="微软雅黑" charset="0"/>
+              </a:rPr>
+              <a:t>DNS</a:t>
+            </a:r>
+            <a:r>
+              <a:rPr lang="zh-CN" altLang="en-US">
+                <a:latin typeface="微软雅黑" charset="0"/>
+                <a:ea typeface="微软雅黑" charset="0"/>
+                <a:cs typeface="微软雅黑" charset="0"/>
+              </a:rPr>
+              <a:t>做负载均衡；业务两节点部署，每个节点都部署所有子系统，保证一定的可用性；</a:t>
+            </a:r>
+            <a:r>
+              <a:rPr lang="en-US" altLang="zh-CN">
+                <a:latin typeface="微软雅黑" charset="0"/>
+                <a:ea typeface="微软雅黑" charset="0"/>
+                <a:cs typeface="微软雅黑" charset="0"/>
+              </a:rPr>
+              <a:t>Mysql</a:t>
+            </a:r>
+            <a:r>
+              <a:rPr lang="zh-CN" altLang="en-US">
+                <a:latin typeface="微软雅黑" charset="0"/>
+                <a:ea typeface="微软雅黑" charset="0"/>
+                <a:cs typeface="微软雅黑" charset="0"/>
+              </a:rPr>
+              <a:t>部署与业务共享服务器，主从分开部署。</a:t>
+            </a:r>
+            <a:endParaRPr lang="zh-CN" altLang="en-US">
+              <a:latin typeface="微软雅黑" charset="0"/>
+              <a:ea typeface="微软雅黑" charset="0"/>
+              <a:cs typeface="微软雅黑" charset="0"/>
+            </a:endParaRPr>
+          </a:p>
+        </p:txBody>
+      </p:sp>
+      <p:sp>
+        <p:nvSpPr>
+          <p:cNvPr id="30" name="文本框 29"/>
+          <p:cNvSpPr txBox="1"/>
+          <p:nvPr/>
+        </p:nvSpPr>
+        <p:spPr>
+          <a:xfrm>
+            <a:off x="6666865" y="1445260"/>
+            <a:ext cx="5303520" cy="1476375"/>
+          </a:xfrm>
+          <a:prstGeom prst="rect">
+            <a:avLst/>
+          </a:prstGeom>
+          <a:noFill/>
+        </p:spPr>
+        <p:txBody>
+          <a:bodyPr wrap="square" rtlCol="0">
+            <a:spAutoFit/>
+          </a:bodyPr>
+          <a:p>
+            <a:endParaRPr lang="zh-CN" altLang="en-US">
+              <a:latin typeface="微软雅黑" charset="0"/>
+              <a:ea typeface="微软雅黑" charset="0"/>
+              <a:cs typeface="微软雅黑" charset="0"/>
+            </a:endParaRPr>
+          </a:p>
+          <a:p>
+            <a:r>
+              <a:rPr lang="zh-CN" altLang="en-US">
+                <a:latin typeface="微软雅黑" charset="0"/>
+                <a:ea typeface="微软雅黑" charset="0"/>
+                <a:cs typeface="微软雅黑" charset="0"/>
+              </a:rPr>
+              <a:t>优点：服务和数据都具有一定的高可用性，结构简单，成本低。</a:t>
+            </a:r>
+            <a:endParaRPr lang="zh-CN" altLang="en-US">
+              <a:latin typeface="微软雅黑" charset="0"/>
+              <a:ea typeface="微软雅黑" charset="0"/>
+              <a:cs typeface="微软雅黑" charset="0"/>
+            </a:endParaRPr>
+          </a:p>
+          <a:p>
+            <a:endParaRPr lang="zh-CN" altLang="en-US">
+              <a:latin typeface="微软雅黑" charset="0"/>
+              <a:ea typeface="微软雅黑" charset="0"/>
+              <a:cs typeface="微软雅黑" charset="0"/>
+            </a:endParaRPr>
+          </a:p>
+          <a:p>
+            <a:r>
+              <a:rPr lang="zh-CN" altLang="en-US">
+                <a:latin typeface="微软雅黑" charset="0"/>
+                <a:ea typeface="微软雅黑" charset="0"/>
+                <a:cs typeface="微软雅黑" charset="0"/>
+              </a:rPr>
+              <a:t>缺点：高可用性不如方案一。</a:t>
+            </a:r>
+            <a:endParaRPr lang="zh-CN" altLang="en-US">
+              <a:latin typeface="微软雅黑" charset="0"/>
+              <a:ea typeface="微软雅黑" charset="0"/>
+              <a:cs typeface="微软雅黑" charset="0"/>
+            </a:endParaRPr>
+          </a:p>
+        </p:txBody>
+      </p:sp>
+    </p:spTree>
+  </p:cSld>
+  <p:clrMapOvr>
+    <a:masterClrMapping/>
+  </p:clrMapOvr>
+</p:sld>
+</file>
+
+<file path=ppt/slides/slide5.xml><?xml version="1.0" encoding="utf-8"?>
+<p:sld xmlns:a="http://schemas.openxmlformats.org/drawingml/2006/main" xmlns:r="http://schemas.openxmlformats.org/officeDocument/2006/relationships" xmlns:p="http://schemas.openxmlformats.org/presentationml/2006/main">
+  <p:cSld>
+    <p:spTree>
+      <p:nvGrpSpPr>
+        <p:cNvPr id="1" name=""/>
+        <p:cNvGrpSpPr/>
+        <p:nvPr/>
+      </p:nvGrpSpPr>
+      <p:grpSpPr/>
+      <p:sp>
+        <p:nvSpPr>
+          <p:cNvPr id="3" name="副标题 1"/>
+          <p:cNvSpPr/>
+          <p:nvPr/>
+        </p:nvSpPr>
+        <p:spPr>
+          <a:xfrm>
+            <a:off x="690880" y="254635"/>
+            <a:ext cx="10810240" cy="534670"/>
+          </a:xfrm>
+          <a:prstGeom prst="rect">
+            <a:avLst/>
+          </a:prstGeom>
+        </p:spPr>
+        <p:txBody>
+          <a:bodyPr vert="horz" lIns="91440" tIns="45720" rIns="91440" bIns="45720" rtlCol="0">
+            <a:noAutofit/>
+          </a:bodyPr>
+          <a:lstStyle>
+            <a:lvl1pPr marL="0" indent="0" algn="ctr" defTabSz="914400" rtl="0" eaLnBrk="1" latinLnBrk="0" hangingPunct="1">
+              <a:lnSpc>
+                <a:spcPct val="90000"/>
+              </a:lnSpc>
+              <a:spcBef>
+                <a:spcPts val="1000"/>
+              </a:spcBef>
+              <a:buFont typeface="Arial" panose="020B0604020202090204" pitchFamily="34" charset="0"/>
+              <a:buNone/>
+              <a:defRPr sz="2400" kern="1200">
+                <a:solidFill>
+                  <a:schemeClr val="tx1"/>
+                </a:solidFill>
+                <a:latin typeface="+mn-lt"/>
+                <a:ea typeface="+mn-ea"/>
+                <a:cs typeface="+mn-cs"/>
+              </a:defRPr>
+            </a:lvl1pPr>
+            <a:lvl2pPr marL="457200" indent="0" algn="ctr" defTabSz="914400" rtl="0" eaLnBrk="1" latinLnBrk="0" hangingPunct="1">
+              <a:lnSpc>
+                <a:spcPct val="90000"/>
+              </a:lnSpc>
+              <a:spcBef>
+                <a:spcPts val="500"/>
+              </a:spcBef>
+              <a:buFont typeface="Arial" panose="020B0604020202090204" pitchFamily="34" charset="0"/>
+              <a:buNone/>
+              <a:defRPr sz="2000" kern="1200">
+                <a:solidFill>
+                  <a:schemeClr val="tx1"/>
+                </a:solidFill>
+                <a:latin typeface="+mn-lt"/>
+                <a:ea typeface="+mn-ea"/>
+                <a:cs typeface="+mn-cs"/>
+              </a:defRPr>
+            </a:lvl2pPr>
+            <a:lvl3pPr marL="914400" indent="0" algn="ctr" defTabSz="914400" rtl="0" eaLnBrk="1" latinLnBrk="0" hangingPunct="1">
+              <a:lnSpc>
+                <a:spcPct val="90000"/>
+              </a:lnSpc>
+              <a:spcBef>
+                <a:spcPts val="500"/>
+              </a:spcBef>
+              <a:buFont typeface="Arial" panose="020B0604020202090204" pitchFamily="34" charset="0"/>
+              <a:buNone/>
+              <a:defRPr sz="1800" kern="1200">
+                <a:solidFill>
+                  <a:schemeClr val="tx1"/>
+                </a:solidFill>
+                <a:latin typeface="+mn-lt"/>
+                <a:ea typeface="+mn-ea"/>
+                <a:cs typeface="+mn-cs"/>
+              </a:defRPr>
+            </a:lvl3pPr>
+            <a:lvl4pPr marL="1371600" indent="0" algn="ctr" defTabSz="914400" rtl="0" eaLnBrk="1" latinLnBrk="0" hangingPunct="1">
+              <a:lnSpc>
+                <a:spcPct val="90000"/>
+              </a:lnSpc>
+              <a:spcBef>
+                <a:spcPts val="500"/>
+              </a:spcBef>
+              <a:buFont typeface="Arial" panose="020B0604020202090204" pitchFamily="34" charset="0"/>
+              <a:buNone/>
+              <a:defRPr sz="1600" kern="1200">
+                <a:solidFill>
+                  <a:schemeClr val="tx1"/>
+                </a:solidFill>
+                <a:latin typeface="+mn-lt"/>
+                <a:ea typeface="+mn-ea"/>
+                <a:cs typeface="+mn-cs"/>
+              </a:defRPr>
+            </a:lvl4pPr>
+            <a:lvl5pPr marL="1828800" indent="0" algn="ctr" defTabSz="914400" rtl="0" eaLnBrk="1" latinLnBrk="0" hangingPunct="1">
+              <a:lnSpc>
+                <a:spcPct val="90000"/>
+              </a:lnSpc>
+              <a:spcBef>
+                <a:spcPts val="500"/>
+              </a:spcBef>
+              <a:buFont typeface="Arial" panose="020B0604020202090204" pitchFamily="34" charset="0"/>
+              <a:buNone/>
+              <a:defRPr sz="1600" kern="1200">
+                <a:solidFill>
+                  <a:schemeClr val="tx1"/>
+                </a:solidFill>
+                <a:latin typeface="+mn-lt"/>
+                <a:ea typeface="+mn-ea"/>
+                <a:cs typeface="+mn-cs"/>
+              </a:defRPr>
+            </a:lvl5pPr>
+            <a:lvl6pPr marL="2286000" indent="0" algn="ctr" defTabSz="914400" rtl="0" eaLnBrk="1" latinLnBrk="0" hangingPunct="1">
+              <a:lnSpc>
+                <a:spcPct val="90000"/>
+              </a:lnSpc>
+              <a:spcBef>
+                <a:spcPts val="500"/>
+              </a:spcBef>
+              <a:buFont typeface="Arial" panose="020B0604020202090204" pitchFamily="34" charset="0"/>
+              <a:buNone/>
+              <a:defRPr sz="1600" kern="1200">
+                <a:solidFill>
+                  <a:schemeClr val="tx1"/>
+                </a:solidFill>
+                <a:latin typeface="+mn-lt"/>
+                <a:ea typeface="+mn-ea"/>
+                <a:cs typeface="+mn-cs"/>
+              </a:defRPr>
+            </a:lvl6pPr>
+            <a:lvl7pPr marL="2743200" indent="0" algn="ctr" defTabSz="914400" rtl="0" eaLnBrk="1" latinLnBrk="0" hangingPunct="1">
+              <a:lnSpc>
+                <a:spcPct val="90000"/>
+              </a:lnSpc>
+              <a:spcBef>
+                <a:spcPts val="500"/>
+              </a:spcBef>
+              <a:buFont typeface="Arial" panose="020B0604020202090204" pitchFamily="34" charset="0"/>
+              <a:buNone/>
+              <a:defRPr sz="1600" kern="1200">
+                <a:solidFill>
+                  <a:schemeClr val="tx1"/>
+                </a:solidFill>
+                <a:latin typeface="+mn-lt"/>
+                <a:ea typeface="+mn-ea"/>
+                <a:cs typeface="+mn-cs"/>
+              </a:defRPr>
+            </a:lvl7pPr>
+            <a:lvl8pPr marL="3200400" indent="0" algn="ctr" defTabSz="914400" rtl="0" eaLnBrk="1" latinLnBrk="0" hangingPunct="1">
+              <a:lnSpc>
+                <a:spcPct val="90000"/>
+              </a:lnSpc>
+              <a:spcBef>
+                <a:spcPts val="500"/>
+              </a:spcBef>
+              <a:buFont typeface="Arial" panose="020B0604020202090204" pitchFamily="34" charset="0"/>
+              <a:buNone/>
+              <a:defRPr sz="1600" kern="1200">
+                <a:solidFill>
+                  <a:schemeClr val="tx1"/>
+                </a:solidFill>
+                <a:latin typeface="+mn-lt"/>
+                <a:ea typeface="+mn-ea"/>
+                <a:cs typeface="+mn-cs"/>
+              </a:defRPr>
+            </a:lvl8pPr>
+            <a:lvl9pPr marL="3657600" indent="0" algn="ctr" defTabSz="914400" rtl="0" eaLnBrk="1" latinLnBrk="0" hangingPunct="1">
+              <a:lnSpc>
+                <a:spcPct val="90000"/>
+              </a:lnSpc>
+              <a:spcBef>
+                <a:spcPts val="500"/>
+              </a:spcBef>
+              <a:buFont typeface="Arial" panose="020B0604020202090204" pitchFamily="34" charset="0"/>
+              <a:buNone/>
+              <a:defRPr sz="1600" kern="1200">
+                <a:solidFill>
+                  <a:schemeClr val="tx1"/>
+                </a:solidFill>
+                <a:latin typeface="+mn-lt"/>
+                <a:ea typeface="+mn-ea"/>
+                <a:cs typeface="+mn-cs"/>
+              </a:defRPr>
+            </a:lvl9pPr>
+          </a:lstStyle>
+          <a:p>
+            <a:pPr algn="l"/>
+            <a:r>
+              <a:rPr lang="zh-CN" altLang="en-US" sz="3200">
+                <a:latin typeface="微软雅黑" charset="0"/>
+                <a:ea typeface="微软雅黑" charset="0"/>
+              </a:rPr>
+              <a:t>备选架构三  </a:t>
+            </a:r>
+            <a:r>
+              <a:rPr lang="en-US" altLang="zh-CN" sz="3200">
+                <a:latin typeface="微软雅黑" charset="0"/>
+                <a:ea typeface="微软雅黑" charset="0"/>
+              </a:rPr>
+              <a:t>-- </a:t>
+            </a:r>
+            <a:r>
+              <a:rPr lang="zh-CN" altLang="en-US" sz="3200">
+                <a:solidFill>
+                  <a:srgbClr val="FF0000"/>
+                </a:solidFill>
+                <a:latin typeface="微软雅黑" charset="0"/>
+                <a:ea typeface="微软雅黑" charset="0"/>
+              </a:rPr>
+              <a:t>选择此方案</a:t>
+            </a:r>
+            <a:endParaRPr lang="zh-CN" altLang="en-US" sz="3200">
+              <a:solidFill>
+                <a:srgbClr val="FF0000"/>
+              </a:solidFill>
+              <a:latin typeface="微软雅黑" charset="0"/>
+              <a:ea typeface="微软雅黑" charset="0"/>
+            </a:endParaRPr>
+          </a:p>
+        </p:txBody>
+      </p:sp>
+      <p:grpSp>
+        <p:nvGrpSpPr>
+          <p:cNvPr id="341" name="组合 340"/>
+          <p:cNvGrpSpPr/>
+          <p:nvPr/>
+        </p:nvGrpSpPr>
+        <p:grpSpPr>
+          <a:xfrm>
+            <a:off x="2860772" y="1988531"/>
+            <a:ext cx="716522" cy="716522"/>
+            <a:chOff x="2990368" y="3471739"/>
+            <a:chExt cx="360000" cy="360000"/>
+          </a:xfrm>
+        </p:grpSpPr>
+        <p:sp>
+          <p:nvSpPr>
+            <p:cNvPr id="68" name="椭圆 67"/>
+            <p:cNvSpPr>
+              <a:spLocks noChangeAspect="1"/>
+            </p:cNvSpPr>
+            <p:nvPr/>
+          </p:nvSpPr>
+          <p:spPr>
+            <a:xfrm>
+              <a:off x="2990368" y="3471739"/>
+              <a:ext cx="360000" cy="360000"/>
+            </a:xfrm>
+            <a:prstGeom prst="ellipse">
+              <a:avLst/>
+            </a:prstGeom>
+            <a:solidFill>
+              <a:srgbClr val="3171FF"/>
+            </a:solidFill>
+            <a:ln>
+              <a:noFill/>
+            </a:ln>
+          </p:spPr>
+          <p:style>
+            <a:lnRef idx="2">
+              <a:schemeClr val="accent1">
+                <a:shade val="50000"/>
+              </a:schemeClr>
+            </a:lnRef>
+            <a:fillRef idx="1">
+              <a:schemeClr val="accent1"/>
+            </a:fillRef>
+            <a:effectRef idx="0">
+              <a:schemeClr val="accent1"/>
+            </a:effectRef>
+            <a:fontRef idx="minor">
+              <a:schemeClr val="lt1"/>
+            </a:fontRef>
+          </p:style>
+          <p:txBody>
+            <a:bodyPr rtlCol="0" anchor="ctr"/>
+            <a:p>
+              <a:pPr algn="ctr"/>
+              <a:endParaRPr lang="zh-CN" altLang="en-US" sz="1200"/>
+            </a:p>
+          </p:txBody>
+        </p:sp>
+        <p:pic>
+          <p:nvPicPr>
+            <p:cNvPr id="337" name="图片 336"/>
+            <p:cNvPicPr>
+              <a:picLocks noChangeAspect="1"/>
+            </p:cNvPicPr>
+            <p:nvPr/>
+          </p:nvPicPr>
+          <p:blipFill>
+            <a:blip r:embed="rId1" cstate="hqprint">
+              <a:extLst>
+                <a:ext uri="{28A0092B-C50C-407E-A947-70E740481C1C}">
+                  <a14:useLocalDpi xmlns:a14="http://schemas.microsoft.com/office/drawing/2010/main" val="0"/>
+                </a:ext>
+              </a:extLst>
+            </a:blip>
+            <a:stretch>
+              <a:fillRect/>
+            </a:stretch>
+          </p:blipFill>
+          <p:spPr>
+            <a:xfrm>
+              <a:off x="3016420" y="3548445"/>
+              <a:ext cx="315106" cy="223200"/>
+            </a:xfrm>
+            <a:prstGeom prst="rect">
+              <a:avLst/>
+            </a:prstGeom>
+          </p:spPr>
+        </p:pic>
+      </p:grpSp>
+      <p:grpSp>
+        <p:nvGrpSpPr>
+          <p:cNvPr id="4" name="组合 3"/>
+          <p:cNvGrpSpPr/>
+          <p:nvPr/>
+        </p:nvGrpSpPr>
+        <p:grpSpPr>
+          <a:xfrm>
+            <a:off x="2860772" y="940781"/>
+            <a:ext cx="716522" cy="716522"/>
+            <a:chOff x="2990368" y="3471739"/>
+            <a:chExt cx="360000" cy="360000"/>
+          </a:xfrm>
+        </p:grpSpPr>
+        <p:sp>
+          <p:nvSpPr>
+            <p:cNvPr id="5" name="椭圆 4"/>
+            <p:cNvSpPr>
+              <a:spLocks noChangeAspect="1"/>
+            </p:cNvSpPr>
+            <p:nvPr/>
+          </p:nvSpPr>
+          <p:spPr>
+            <a:xfrm>
+              <a:off x="2990368" y="3471739"/>
+              <a:ext cx="360000" cy="360000"/>
+            </a:xfrm>
+            <a:prstGeom prst="ellipse">
+              <a:avLst/>
+            </a:prstGeom>
+            <a:solidFill>
+              <a:srgbClr val="3171FF"/>
+            </a:solidFill>
+            <a:ln>
+              <a:noFill/>
+            </a:ln>
+          </p:spPr>
+          <p:style>
+            <a:lnRef idx="2">
+              <a:schemeClr val="accent1">
+                <a:shade val="50000"/>
+              </a:schemeClr>
+            </a:lnRef>
+            <a:fillRef idx="1">
+              <a:schemeClr val="accent1"/>
+            </a:fillRef>
+            <a:effectRef idx="0">
+              <a:schemeClr val="accent1"/>
+            </a:effectRef>
+            <a:fontRef idx="minor">
+              <a:schemeClr val="lt1"/>
+            </a:fontRef>
+          </p:style>
+          <p:txBody>
+            <a:bodyPr rtlCol="0" anchor="ctr"/>
+            <a:p>
+              <a:pPr algn="ctr"/>
+              <a:endParaRPr lang="zh-CN" altLang="en-US" sz="1200"/>
+            </a:p>
+          </p:txBody>
+        </p:sp>
+        <p:pic>
+          <p:nvPicPr>
+            <p:cNvPr id="10" name="图片 9"/>
+            <p:cNvPicPr>
+              <a:picLocks noChangeAspect="1"/>
+            </p:cNvPicPr>
+            <p:nvPr/>
+          </p:nvPicPr>
+          <p:blipFill>
+            <a:blip r:embed="rId1" cstate="hqprint">
+              <a:extLst>
+                <a:ext uri="{28A0092B-C50C-407E-A947-70E740481C1C}">
+                  <a14:useLocalDpi xmlns:a14="http://schemas.microsoft.com/office/drawing/2010/main" val="0"/>
+                </a:ext>
+              </a:extLst>
+            </a:blip>
+            <a:stretch>
+              <a:fillRect/>
+            </a:stretch>
+          </p:blipFill>
+          <p:spPr>
+            <a:xfrm>
+              <a:off x="3016420" y="3548445"/>
+              <a:ext cx="315106" cy="223200"/>
+            </a:xfrm>
+            <a:prstGeom prst="rect">
+              <a:avLst/>
+            </a:prstGeom>
+          </p:spPr>
+        </p:pic>
+      </p:grpSp>
+      <p:grpSp>
+        <p:nvGrpSpPr>
+          <p:cNvPr id="100" name="组合 99"/>
+          <p:cNvGrpSpPr>
+            <a:grpSpLocks noChangeAspect="1"/>
+          </p:cNvGrpSpPr>
+          <p:nvPr/>
+        </p:nvGrpSpPr>
+        <p:grpSpPr>
+          <a:xfrm>
+            <a:off x="1508837" y="3253396"/>
+            <a:ext cx="730464" cy="730464"/>
+            <a:chOff x="5451915" y="2933185"/>
+            <a:chExt cx="298551" cy="298551"/>
+          </a:xfrm>
+        </p:grpSpPr>
+        <p:sp>
+          <p:nvSpPr>
+            <p:cNvPr id="101" name="椭圆 100"/>
+            <p:cNvSpPr>
+              <a:spLocks noChangeAspect="1"/>
+            </p:cNvSpPr>
+            <p:nvPr/>
+          </p:nvSpPr>
+          <p:spPr>
+            <a:xfrm>
+              <a:off x="5451915" y="2933185"/>
+              <a:ext cx="298551" cy="298551"/>
+            </a:xfrm>
+            <a:prstGeom prst="ellipse">
+              <a:avLst/>
+            </a:prstGeom>
+            <a:solidFill>
+              <a:srgbClr val="3171FF"/>
+            </a:solidFill>
+            <a:ln>
+              <a:noFill/>
+            </a:ln>
+          </p:spPr>
+          <p:style>
+            <a:lnRef idx="2">
+              <a:schemeClr val="accent1">
+                <a:shade val="50000"/>
+              </a:schemeClr>
+            </a:lnRef>
+            <a:fillRef idx="1">
+              <a:schemeClr val="accent1"/>
+            </a:fillRef>
+            <a:effectRef idx="0">
+              <a:schemeClr val="accent1"/>
+            </a:effectRef>
+            <a:fontRef idx="minor">
+              <a:schemeClr val="lt1"/>
+            </a:fontRef>
+          </p:style>
+          <p:txBody>
+            <a:bodyPr rtlCol="0" anchor="ctr"/>
+            <a:p>
+              <a:pPr algn="ctr"/>
+              <a:endParaRPr lang="zh-CN" altLang="en-US" sz="1200"/>
+            </a:p>
+          </p:txBody>
+        </p:sp>
+        <p:pic>
+          <p:nvPicPr>
+            <p:cNvPr id="102" name="图片 101"/>
+            <p:cNvPicPr>
+              <a:picLocks noChangeAspect="1"/>
+            </p:cNvPicPr>
+            <p:nvPr/>
+          </p:nvPicPr>
+          <p:blipFill>
+            <a:blip r:embed="rId2"/>
+            <a:stretch>
+              <a:fillRect/>
+            </a:stretch>
+          </p:blipFill>
+          <p:spPr>
+            <a:xfrm>
+              <a:off x="5508508" y="2982571"/>
+              <a:ext cx="185367" cy="193793"/>
+            </a:xfrm>
+            <a:prstGeom prst="rect">
+              <a:avLst/>
+            </a:prstGeom>
+          </p:spPr>
+        </p:pic>
+      </p:grpSp>
+      <p:grpSp>
+        <p:nvGrpSpPr>
+          <p:cNvPr id="13" name="组合 12"/>
+          <p:cNvGrpSpPr>
+            <a:grpSpLocks noChangeAspect="1"/>
+          </p:cNvGrpSpPr>
+          <p:nvPr/>
+        </p:nvGrpSpPr>
+        <p:grpSpPr>
+          <a:xfrm>
+            <a:off x="2858847" y="3253396"/>
+            <a:ext cx="730464" cy="730464"/>
+            <a:chOff x="5451915" y="2933185"/>
+            <a:chExt cx="298551" cy="298551"/>
+          </a:xfrm>
+        </p:grpSpPr>
+        <p:sp>
+          <p:nvSpPr>
+            <p:cNvPr id="17" name="椭圆 16"/>
+            <p:cNvSpPr>
+              <a:spLocks noChangeAspect="1"/>
+            </p:cNvSpPr>
+            <p:nvPr/>
+          </p:nvSpPr>
+          <p:spPr>
+            <a:xfrm>
+              <a:off x="5451915" y="2933185"/>
+              <a:ext cx="298551" cy="298551"/>
+            </a:xfrm>
+            <a:prstGeom prst="ellipse">
+              <a:avLst/>
+            </a:prstGeom>
+            <a:solidFill>
+              <a:srgbClr val="3171FF"/>
+            </a:solidFill>
+            <a:ln>
+              <a:noFill/>
+            </a:ln>
+          </p:spPr>
+          <p:style>
+            <a:lnRef idx="2">
+              <a:schemeClr val="accent1">
+                <a:shade val="50000"/>
+              </a:schemeClr>
+            </a:lnRef>
+            <a:fillRef idx="1">
+              <a:schemeClr val="accent1"/>
+            </a:fillRef>
+            <a:effectRef idx="0">
+              <a:schemeClr val="accent1"/>
+            </a:effectRef>
+            <a:fontRef idx="minor">
+              <a:schemeClr val="lt1"/>
+            </a:fontRef>
+          </p:style>
+          <p:txBody>
+            <a:bodyPr rtlCol="0" anchor="ctr"/>
+            <a:p>
+              <a:pPr algn="ctr"/>
+              <a:endParaRPr lang="zh-CN" altLang="en-US" sz="1200"/>
+            </a:p>
+          </p:txBody>
+        </p:sp>
+        <p:pic>
+          <p:nvPicPr>
+            <p:cNvPr id="18" name="图片 17"/>
+            <p:cNvPicPr>
+              <a:picLocks noChangeAspect="1"/>
+            </p:cNvPicPr>
+            <p:nvPr/>
+          </p:nvPicPr>
+          <p:blipFill>
+            <a:blip r:embed="rId2"/>
+            <a:stretch>
+              <a:fillRect/>
+            </a:stretch>
+          </p:blipFill>
+          <p:spPr>
+            <a:xfrm>
+              <a:off x="5508508" y="2982571"/>
+              <a:ext cx="185367" cy="193793"/>
+            </a:xfrm>
+            <a:prstGeom prst="rect">
+              <a:avLst/>
+            </a:prstGeom>
+          </p:spPr>
+        </p:pic>
+      </p:grpSp>
+      <p:grpSp>
+        <p:nvGrpSpPr>
+          <p:cNvPr id="21" name="组合 20"/>
+          <p:cNvGrpSpPr>
+            <a:grpSpLocks noChangeAspect="1"/>
+          </p:cNvGrpSpPr>
+          <p:nvPr/>
+        </p:nvGrpSpPr>
+        <p:grpSpPr>
+          <a:xfrm>
+            <a:off x="4634307" y="3276891"/>
+            <a:ext cx="730464" cy="730464"/>
+            <a:chOff x="5451915" y="2933185"/>
+            <a:chExt cx="298551" cy="298551"/>
+          </a:xfrm>
+        </p:grpSpPr>
+        <p:sp>
+          <p:nvSpPr>
+            <p:cNvPr id="24" name="椭圆 23"/>
+            <p:cNvSpPr>
+              <a:spLocks noChangeAspect="1"/>
+            </p:cNvSpPr>
+            <p:nvPr/>
+          </p:nvSpPr>
+          <p:spPr>
+            <a:xfrm>
+              <a:off x="5451915" y="2933185"/>
+              <a:ext cx="298551" cy="298551"/>
+            </a:xfrm>
+            <a:prstGeom prst="ellipse">
+              <a:avLst/>
+            </a:prstGeom>
+            <a:solidFill>
+              <a:srgbClr val="3171FF"/>
+            </a:solidFill>
+            <a:ln>
+              <a:noFill/>
+            </a:ln>
+          </p:spPr>
+          <p:style>
+            <a:lnRef idx="2">
+              <a:schemeClr val="accent1">
+                <a:shade val="50000"/>
+              </a:schemeClr>
+            </a:lnRef>
+            <a:fillRef idx="1">
+              <a:schemeClr val="accent1"/>
+            </a:fillRef>
+            <a:effectRef idx="0">
+              <a:schemeClr val="accent1"/>
+            </a:effectRef>
+            <a:fontRef idx="minor">
+              <a:schemeClr val="lt1"/>
+            </a:fontRef>
+          </p:style>
+          <p:txBody>
+            <a:bodyPr rtlCol="0" anchor="ctr"/>
+            <a:p>
+              <a:pPr algn="ctr"/>
+              <a:endParaRPr lang="zh-CN" altLang="en-US" sz="1200"/>
+            </a:p>
+          </p:txBody>
+        </p:sp>
+        <p:pic>
+          <p:nvPicPr>
+            <p:cNvPr id="25" name="图片 24"/>
+            <p:cNvPicPr>
+              <a:picLocks noChangeAspect="1"/>
+            </p:cNvPicPr>
+            <p:nvPr/>
+          </p:nvPicPr>
+          <p:blipFill>
+            <a:blip r:embed="rId2"/>
+            <a:stretch>
+              <a:fillRect/>
+            </a:stretch>
+          </p:blipFill>
+          <p:spPr>
+            <a:xfrm>
+              <a:off x="5508508" y="2982571"/>
+              <a:ext cx="185367" cy="193793"/>
+            </a:xfrm>
+            <a:prstGeom prst="rect">
+              <a:avLst/>
+            </a:prstGeom>
+          </p:spPr>
+        </p:pic>
+      </p:grpSp>
+      <p:grpSp>
+        <p:nvGrpSpPr>
+          <p:cNvPr id="26" name="组合 25"/>
+          <p:cNvGrpSpPr>
+            <a:grpSpLocks noChangeAspect="1"/>
+          </p:cNvGrpSpPr>
+          <p:nvPr/>
+        </p:nvGrpSpPr>
+        <p:grpSpPr>
+          <a:xfrm>
+            <a:off x="2100657" y="4635156"/>
+            <a:ext cx="730464" cy="730464"/>
+            <a:chOff x="5451915" y="2933185"/>
+            <a:chExt cx="298551" cy="298551"/>
+          </a:xfrm>
+        </p:grpSpPr>
+        <p:sp>
+          <p:nvSpPr>
+            <p:cNvPr id="27" name="椭圆 26"/>
+            <p:cNvSpPr>
+              <a:spLocks noChangeAspect="1"/>
+            </p:cNvSpPr>
+            <p:nvPr/>
+          </p:nvSpPr>
+          <p:spPr>
+            <a:xfrm>
+              <a:off x="5451915" y="2933185"/>
+              <a:ext cx="298551" cy="298551"/>
+            </a:xfrm>
+            <a:prstGeom prst="ellipse">
+              <a:avLst/>
+            </a:prstGeom>
+            <a:solidFill>
+              <a:srgbClr val="3171FF"/>
+            </a:solidFill>
+            <a:ln>
+              <a:noFill/>
+            </a:ln>
+          </p:spPr>
+          <p:style>
+            <a:lnRef idx="2">
+              <a:schemeClr val="accent1">
+                <a:shade val="50000"/>
+              </a:schemeClr>
+            </a:lnRef>
+            <a:fillRef idx="1">
+              <a:schemeClr val="accent1"/>
+            </a:fillRef>
+            <a:effectRef idx="0">
+              <a:schemeClr val="accent1"/>
+            </a:effectRef>
+            <a:fontRef idx="minor">
+              <a:schemeClr val="lt1"/>
+            </a:fontRef>
+          </p:style>
+          <p:txBody>
+            <a:bodyPr rtlCol="0" anchor="ctr"/>
+            <a:p>
+              <a:pPr algn="ctr"/>
+              <a:endParaRPr lang="zh-CN" altLang="en-US" sz="1200"/>
+            </a:p>
+          </p:txBody>
+        </p:sp>
+        <p:pic>
+          <p:nvPicPr>
+            <p:cNvPr id="28" name="图片 27"/>
+            <p:cNvPicPr>
+              <a:picLocks noChangeAspect="1"/>
+            </p:cNvPicPr>
+            <p:nvPr/>
+          </p:nvPicPr>
+          <p:blipFill>
+            <a:blip r:embed="rId2"/>
+            <a:stretch>
+              <a:fillRect/>
+            </a:stretch>
+          </p:blipFill>
+          <p:spPr>
+            <a:xfrm>
+              <a:off x="5508508" y="2982571"/>
+              <a:ext cx="185367" cy="193793"/>
+            </a:xfrm>
+            <a:prstGeom prst="rect">
+              <a:avLst/>
+            </a:prstGeom>
+          </p:spPr>
+        </p:pic>
+      </p:grpSp>
+      <p:grpSp>
+        <p:nvGrpSpPr>
+          <p:cNvPr id="29" name="组合 28"/>
+          <p:cNvGrpSpPr>
+            <a:grpSpLocks noChangeAspect="1"/>
+          </p:cNvGrpSpPr>
+          <p:nvPr/>
+        </p:nvGrpSpPr>
+        <p:grpSpPr>
+          <a:xfrm>
+            <a:off x="3589097" y="4651666"/>
+            <a:ext cx="730464" cy="730464"/>
+            <a:chOff x="5451915" y="2933185"/>
+            <a:chExt cx="298551" cy="298551"/>
+          </a:xfrm>
+        </p:grpSpPr>
+        <p:sp>
+          <p:nvSpPr>
+            <p:cNvPr id="30" name="椭圆 29"/>
+            <p:cNvSpPr>
+              <a:spLocks noChangeAspect="1"/>
+            </p:cNvSpPr>
+            <p:nvPr/>
+          </p:nvSpPr>
+          <p:spPr>
+            <a:xfrm>
+              <a:off x="5451915" y="2933185"/>
+              <a:ext cx="298551" cy="298551"/>
+            </a:xfrm>
+            <a:prstGeom prst="ellipse">
+              <a:avLst/>
+            </a:prstGeom>
+            <a:solidFill>
+              <a:srgbClr val="3171FF"/>
+            </a:solidFill>
+            <a:ln>
+              <a:noFill/>
+            </a:ln>
+          </p:spPr>
+          <p:style>
+            <a:lnRef idx="2">
+              <a:schemeClr val="accent1">
+                <a:shade val="50000"/>
+              </a:schemeClr>
+            </a:lnRef>
+            <a:fillRef idx="1">
+              <a:schemeClr val="accent1"/>
+            </a:fillRef>
+            <a:effectRef idx="0">
+              <a:schemeClr val="accent1"/>
+            </a:effectRef>
+            <a:fontRef idx="minor">
+              <a:schemeClr val="lt1"/>
+            </a:fontRef>
+          </p:style>
+          <p:txBody>
+            <a:bodyPr rtlCol="0" anchor="ctr"/>
+            <a:p>
+              <a:pPr algn="ctr"/>
+              <a:endParaRPr lang="zh-CN" altLang="en-US" sz="1200"/>
+            </a:p>
+          </p:txBody>
+        </p:sp>
+        <p:pic>
+          <p:nvPicPr>
+            <p:cNvPr id="31" name="图片 30"/>
+            <p:cNvPicPr>
+              <a:picLocks noChangeAspect="1"/>
+            </p:cNvPicPr>
+            <p:nvPr/>
+          </p:nvPicPr>
+          <p:blipFill>
+            <a:blip r:embed="rId2"/>
+            <a:stretch>
+              <a:fillRect/>
+            </a:stretch>
+          </p:blipFill>
+          <p:spPr>
+            <a:xfrm>
+              <a:off x="5508508" y="2982571"/>
+              <a:ext cx="185367" cy="193793"/>
+            </a:xfrm>
+            <a:prstGeom prst="rect">
+              <a:avLst/>
+            </a:prstGeom>
+          </p:spPr>
+        </p:pic>
+      </p:grpSp>
+      <p:sp>
+        <p:nvSpPr>
+          <p:cNvPr id="32" name="文本框 31"/>
+          <p:cNvSpPr txBox="1"/>
+          <p:nvPr/>
+        </p:nvSpPr>
+        <p:spPr>
+          <a:xfrm>
+            <a:off x="4169410" y="1093470"/>
+            <a:ext cx="1007110" cy="306705"/>
+          </a:xfrm>
+          <a:prstGeom prst="rect">
+            <a:avLst/>
+          </a:prstGeom>
+          <a:noFill/>
+        </p:spPr>
+        <p:txBody>
+          <a:bodyPr wrap="square" rtlCol="0">
+            <a:spAutoFit/>
+          </a:bodyPr>
+          <a:p>
+            <a:r>
+              <a:rPr lang="zh-CN" altLang="en-US" sz="1400"/>
+              <a:t>云</a:t>
+            </a:r>
+            <a:r>
+              <a:rPr lang="en-US" altLang="zh-CN" sz="1400"/>
+              <a:t>DNS</a:t>
+            </a:r>
+            <a:endParaRPr lang="en-US" altLang="zh-CN" sz="1400"/>
+          </a:p>
+        </p:txBody>
+      </p:sp>
+      <p:sp>
+        <p:nvSpPr>
+          <p:cNvPr id="33" name="文本框 32"/>
+          <p:cNvSpPr txBox="1"/>
+          <p:nvPr/>
+        </p:nvSpPr>
+        <p:spPr>
+          <a:xfrm>
+            <a:off x="4169410" y="2172970"/>
+            <a:ext cx="1191895" cy="306705"/>
+          </a:xfrm>
+          <a:prstGeom prst="rect">
+            <a:avLst/>
+          </a:prstGeom>
+          <a:noFill/>
+        </p:spPr>
+        <p:txBody>
+          <a:bodyPr wrap="square" rtlCol="0">
+            <a:spAutoFit/>
+          </a:bodyPr>
+          <a:p>
+            <a:r>
+              <a:rPr lang="zh-CN" altLang="en-US" sz="1400"/>
+              <a:t>云负载均衡</a:t>
+            </a:r>
+            <a:endParaRPr lang="zh-CN" altLang="en-US" sz="1400"/>
+          </a:p>
+        </p:txBody>
+      </p:sp>
+      <p:sp>
+        <p:nvSpPr>
+          <p:cNvPr id="34" name="文本框 33"/>
+          <p:cNvSpPr txBox="1"/>
+          <p:nvPr/>
+        </p:nvSpPr>
+        <p:spPr>
+          <a:xfrm>
+            <a:off x="1647190" y="4088130"/>
+            <a:ext cx="1358265" cy="306705"/>
+          </a:xfrm>
+          <a:prstGeom prst="rect">
+            <a:avLst/>
+          </a:prstGeom>
+          <a:noFill/>
+        </p:spPr>
+        <p:txBody>
+          <a:bodyPr wrap="square" rtlCol="0">
+            <a:spAutoFit/>
+          </a:bodyPr>
+          <a:p>
+            <a:r>
+              <a:rPr lang="zh-CN" altLang="en-US" sz="1400"/>
+              <a:t>云业务服务器</a:t>
+            </a:r>
+            <a:r>
+              <a:rPr lang="en-US" altLang="zh-CN" sz="1400"/>
+              <a:t>1</a:t>
+            </a:r>
+            <a:endParaRPr lang="en-US" altLang="zh-CN" sz="1400"/>
+          </a:p>
+        </p:txBody>
+      </p:sp>
+      <p:sp>
+        <p:nvSpPr>
+          <p:cNvPr id="35" name="文本框 34"/>
+          <p:cNvSpPr txBox="1"/>
+          <p:nvPr/>
+        </p:nvSpPr>
+        <p:spPr>
+          <a:xfrm>
+            <a:off x="3140710" y="4075430"/>
+            <a:ext cx="1358265" cy="306705"/>
+          </a:xfrm>
+          <a:prstGeom prst="rect">
+            <a:avLst/>
+          </a:prstGeom>
+          <a:noFill/>
+        </p:spPr>
+        <p:txBody>
+          <a:bodyPr wrap="square" rtlCol="0">
+            <a:spAutoFit/>
+          </a:bodyPr>
+          <a:p>
+            <a:r>
+              <a:rPr lang="zh-CN" altLang="en-US" sz="1400"/>
+              <a:t>云业务服务器</a:t>
+            </a:r>
+            <a:r>
+              <a:rPr lang="en-US" altLang="zh-CN" sz="1400"/>
+              <a:t>2</a:t>
+            </a:r>
+            <a:endParaRPr lang="en-US" altLang="zh-CN" sz="1400"/>
+          </a:p>
+        </p:txBody>
+      </p:sp>
+      <p:sp>
+        <p:nvSpPr>
+          <p:cNvPr id="36" name="文本框 35"/>
+          <p:cNvSpPr txBox="1"/>
+          <p:nvPr/>
+        </p:nvSpPr>
+        <p:spPr>
+          <a:xfrm>
+            <a:off x="4772660" y="4007485"/>
+            <a:ext cx="1358265" cy="306705"/>
+          </a:xfrm>
+          <a:prstGeom prst="rect">
+            <a:avLst/>
+          </a:prstGeom>
+          <a:noFill/>
+        </p:spPr>
+        <p:txBody>
+          <a:bodyPr wrap="square" rtlCol="0">
+            <a:spAutoFit/>
+          </a:bodyPr>
+          <a:p>
+            <a:r>
+              <a:rPr lang="zh-CN" altLang="en-US" sz="1400"/>
+              <a:t>云业务服务器</a:t>
+            </a:r>
+            <a:r>
+              <a:rPr lang="en-US" altLang="zh-CN" sz="1400"/>
+              <a:t>3</a:t>
+            </a:r>
+            <a:endParaRPr lang="en-US" altLang="zh-CN" sz="1400"/>
+          </a:p>
+        </p:txBody>
+      </p:sp>
+      <p:sp>
+        <p:nvSpPr>
+          <p:cNvPr id="37" name="文本框 36"/>
+          <p:cNvSpPr txBox="1"/>
+          <p:nvPr/>
+        </p:nvSpPr>
+        <p:spPr>
+          <a:xfrm>
+            <a:off x="1979295" y="5382260"/>
+            <a:ext cx="1026160" cy="521970"/>
+          </a:xfrm>
+          <a:prstGeom prst="rect">
+            <a:avLst/>
+          </a:prstGeom>
+          <a:noFill/>
+        </p:spPr>
+        <p:txBody>
+          <a:bodyPr wrap="square" rtlCol="0">
+            <a:spAutoFit/>
+          </a:bodyPr>
+          <a:p>
+            <a:r>
+              <a:rPr lang="zh-CN" altLang="en-US" sz="1400"/>
+              <a:t>云数据库</a:t>
+            </a:r>
+            <a:r>
+              <a:rPr lang="en-US" altLang="zh-CN" sz="1400"/>
+              <a:t>mysql(</a:t>
+            </a:r>
+            <a:r>
+              <a:rPr lang="zh-CN" altLang="en-US" sz="1400"/>
+              <a:t>主</a:t>
+            </a:r>
+            <a:r>
+              <a:rPr lang="en-US" altLang="zh-CN" sz="1400"/>
+              <a:t>)</a:t>
+            </a:r>
+            <a:endParaRPr lang="en-US" altLang="zh-CN" sz="1400"/>
+          </a:p>
+        </p:txBody>
+      </p:sp>
+      <p:sp>
+        <p:nvSpPr>
+          <p:cNvPr id="38" name="文本框 37"/>
+          <p:cNvSpPr txBox="1"/>
+          <p:nvPr/>
+        </p:nvSpPr>
+        <p:spPr>
+          <a:xfrm>
+            <a:off x="3936365" y="5405120"/>
+            <a:ext cx="1026160" cy="521970"/>
+          </a:xfrm>
+          <a:prstGeom prst="rect">
+            <a:avLst/>
+          </a:prstGeom>
+          <a:noFill/>
+        </p:spPr>
+        <p:txBody>
+          <a:bodyPr wrap="square" rtlCol="0">
+            <a:spAutoFit/>
+          </a:bodyPr>
+          <a:p>
+            <a:r>
+              <a:rPr lang="zh-CN" altLang="en-US" sz="1400"/>
+              <a:t>云数据库</a:t>
+            </a:r>
+            <a:r>
+              <a:rPr lang="en-US" altLang="zh-CN" sz="1400"/>
+              <a:t>mysql(</a:t>
+            </a:r>
+            <a:r>
+              <a:rPr lang="zh-CN" altLang="en-US" sz="1400"/>
+              <a:t>从</a:t>
+            </a:r>
+            <a:r>
+              <a:rPr lang="en-US" altLang="zh-CN" sz="1400"/>
+              <a:t>)</a:t>
+            </a:r>
+            <a:endParaRPr lang="en-US" altLang="zh-CN" sz="1400"/>
+          </a:p>
+        </p:txBody>
+      </p:sp>
+      <p:cxnSp>
+        <p:nvCxnSpPr>
+          <p:cNvPr id="39" name="直接箭头连接符 38"/>
+          <p:cNvCxnSpPr/>
+          <p:nvPr/>
+        </p:nvCxnSpPr>
+        <p:spPr>
+          <a:xfrm>
+            <a:off x="3218815" y="1633220"/>
+            <a:ext cx="0" cy="323215"/>
+          </a:xfrm>
+          <a:prstGeom prst="straightConnector1">
+            <a:avLst/>
+          </a:prstGeom>
+          <a:ln>
+            <a:tailEnd type="arrow"/>
+          </a:ln>
+        </p:spPr>
+        <p:style>
+          <a:lnRef idx="1">
+            <a:schemeClr val="accent1"/>
+          </a:lnRef>
+          <a:fillRef idx="0">
+            <a:schemeClr val="accent1"/>
+          </a:fillRef>
+          <a:effectRef idx="0">
+            <a:schemeClr val="accent1"/>
+          </a:effectRef>
+          <a:fontRef idx="minor">
+            <a:schemeClr val="tx1"/>
+          </a:fontRef>
+        </p:style>
+      </p:cxnSp>
+      <p:cxnSp>
+        <p:nvCxnSpPr>
+          <p:cNvPr id="40" name="直接箭头连接符 39"/>
+          <p:cNvCxnSpPr/>
+          <p:nvPr/>
+        </p:nvCxnSpPr>
+        <p:spPr>
+          <a:xfrm flipH="1">
+            <a:off x="2120265" y="2585720"/>
+            <a:ext cx="740410" cy="609600"/>
+          </a:xfrm>
+          <a:prstGeom prst="straightConnector1">
+            <a:avLst/>
+          </a:prstGeom>
+          <a:ln>
+            <a:tailEnd type="arrow"/>
+          </a:ln>
+        </p:spPr>
+        <p:style>
+          <a:lnRef idx="1">
+            <a:schemeClr val="accent1"/>
+          </a:lnRef>
+          <a:fillRef idx="0">
+            <a:schemeClr val="accent1"/>
+          </a:fillRef>
+          <a:effectRef idx="0">
+            <a:schemeClr val="accent1"/>
+          </a:effectRef>
+          <a:fontRef idx="minor">
+            <a:schemeClr val="tx1"/>
+          </a:fontRef>
+        </p:style>
+      </p:cxnSp>
+      <p:cxnSp>
+        <p:nvCxnSpPr>
+          <p:cNvPr id="41" name="直接箭头连接符 40"/>
+          <p:cNvCxnSpPr/>
+          <p:nvPr/>
+        </p:nvCxnSpPr>
+        <p:spPr>
+          <a:xfrm>
+            <a:off x="3223895" y="2755265"/>
+            <a:ext cx="0" cy="396875"/>
+          </a:xfrm>
+          <a:prstGeom prst="straightConnector1">
+            <a:avLst/>
+          </a:prstGeom>
+          <a:ln>
+            <a:tailEnd type="arrow"/>
+          </a:ln>
+        </p:spPr>
+        <p:style>
+          <a:lnRef idx="1">
+            <a:schemeClr val="accent1"/>
+          </a:lnRef>
+          <a:fillRef idx="0">
+            <a:schemeClr val="accent1"/>
+          </a:fillRef>
+          <a:effectRef idx="0">
+            <a:schemeClr val="accent1"/>
+          </a:effectRef>
+          <a:fontRef idx="minor">
+            <a:schemeClr val="tx1"/>
+          </a:fontRef>
+        </p:style>
+      </p:cxnSp>
+      <p:cxnSp>
+        <p:nvCxnSpPr>
+          <p:cNvPr id="42" name="直接箭头连接符 41"/>
+          <p:cNvCxnSpPr/>
+          <p:nvPr/>
+        </p:nvCxnSpPr>
+        <p:spPr>
+          <a:xfrm>
+            <a:off x="3542030" y="2609850"/>
+            <a:ext cx="1160145" cy="643255"/>
+          </a:xfrm>
+          <a:prstGeom prst="straightConnector1">
+            <a:avLst/>
+          </a:prstGeom>
+          <a:ln>
+            <a:tailEnd type="arrow"/>
+          </a:ln>
+        </p:spPr>
+        <p:style>
+          <a:lnRef idx="1">
+            <a:schemeClr val="accent1"/>
+          </a:lnRef>
+          <a:fillRef idx="0">
+            <a:schemeClr val="accent1"/>
+          </a:fillRef>
+          <a:effectRef idx="0">
+            <a:schemeClr val="accent1"/>
+          </a:effectRef>
+          <a:fontRef idx="minor">
+            <a:schemeClr val="tx1"/>
+          </a:fontRef>
+        </p:style>
+      </p:cxnSp>
+      <p:cxnSp>
+        <p:nvCxnSpPr>
+          <p:cNvPr id="43" name="直接箭头连接符 42"/>
+          <p:cNvCxnSpPr/>
+          <p:nvPr/>
+        </p:nvCxnSpPr>
+        <p:spPr>
+          <a:xfrm>
+            <a:off x="1979295" y="3986530"/>
+            <a:ext cx="486410" cy="648335"/>
+          </a:xfrm>
+          <a:prstGeom prst="straightConnector1">
+            <a:avLst/>
+          </a:prstGeom>
+          <a:ln>
+            <a:tailEnd type="arrow"/>
+          </a:ln>
+        </p:spPr>
+        <p:style>
+          <a:lnRef idx="1">
+            <a:schemeClr val="accent1"/>
+          </a:lnRef>
+          <a:fillRef idx="0">
+            <a:schemeClr val="accent1"/>
+          </a:fillRef>
+          <a:effectRef idx="0">
+            <a:schemeClr val="accent1"/>
+          </a:effectRef>
+          <a:fontRef idx="minor">
+            <a:schemeClr val="tx1"/>
+          </a:fontRef>
+        </p:style>
+      </p:cxnSp>
+      <p:cxnSp>
+        <p:nvCxnSpPr>
+          <p:cNvPr id="44" name="直接箭头连接符 43"/>
+          <p:cNvCxnSpPr>
+            <a:endCxn id="27" idx="0"/>
+          </p:cNvCxnSpPr>
+          <p:nvPr/>
+        </p:nvCxnSpPr>
+        <p:spPr>
+          <a:xfrm flipH="1">
+            <a:off x="2465705" y="3642995"/>
+            <a:ext cx="742315" cy="991870"/>
+          </a:xfrm>
+          <a:prstGeom prst="straightConnector1">
+            <a:avLst/>
+          </a:prstGeom>
+          <a:ln>
+            <a:tailEnd type="arrow"/>
+          </a:ln>
+        </p:spPr>
+        <p:style>
+          <a:lnRef idx="1">
+            <a:schemeClr val="accent1"/>
+          </a:lnRef>
+          <a:fillRef idx="0">
+            <a:schemeClr val="accent1"/>
+          </a:fillRef>
+          <a:effectRef idx="0">
+            <a:schemeClr val="accent1"/>
+          </a:effectRef>
+          <a:fontRef idx="minor">
+            <a:schemeClr val="tx1"/>
+          </a:fontRef>
+        </p:style>
+      </p:cxnSp>
+      <p:cxnSp>
+        <p:nvCxnSpPr>
+          <p:cNvPr id="45" name="直接箭头连接符 44"/>
+          <p:cNvCxnSpPr>
+            <a:endCxn id="27" idx="0"/>
+          </p:cNvCxnSpPr>
+          <p:nvPr/>
+        </p:nvCxnSpPr>
+        <p:spPr>
+          <a:xfrm flipH="1">
+            <a:off x="2465705" y="3654425"/>
+            <a:ext cx="2273935" cy="980440"/>
+          </a:xfrm>
+          <a:prstGeom prst="straightConnector1">
+            <a:avLst/>
+          </a:prstGeom>
+          <a:ln>
+            <a:tailEnd type="arrow"/>
+          </a:ln>
+        </p:spPr>
+        <p:style>
+          <a:lnRef idx="1">
+            <a:schemeClr val="accent1"/>
+          </a:lnRef>
+          <a:fillRef idx="0">
+            <a:schemeClr val="accent1"/>
+          </a:fillRef>
+          <a:effectRef idx="0">
+            <a:schemeClr val="accent1"/>
+          </a:effectRef>
+          <a:fontRef idx="minor">
+            <a:schemeClr val="tx1"/>
+          </a:fontRef>
+        </p:style>
+      </p:cxnSp>
+      <p:cxnSp>
+        <p:nvCxnSpPr>
+          <p:cNvPr id="46" name="直接箭头连接符 45"/>
+          <p:cNvCxnSpPr/>
+          <p:nvPr/>
+        </p:nvCxnSpPr>
+        <p:spPr>
+          <a:xfrm>
+            <a:off x="2870835" y="5039995"/>
+            <a:ext cx="650240" cy="0"/>
+          </a:xfrm>
+          <a:prstGeom prst="straightConnector1">
+            <a:avLst/>
+          </a:prstGeom>
+          <a:ln>
+            <a:tailEnd type="arrow"/>
+          </a:ln>
+        </p:spPr>
+        <p:style>
+          <a:lnRef idx="1">
+            <a:schemeClr val="accent1"/>
+          </a:lnRef>
+          <a:fillRef idx="0">
+            <a:schemeClr val="accent1"/>
+          </a:fillRef>
+          <a:effectRef idx="0">
+            <a:schemeClr val="accent1"/>
+          </a:effectRef>
+          <a:fontRef idx="minor">
+            <a:schemeClr val="tx1"/>
+          </a:fontRef>
+        </p:style>
+      </p:cxnSp>
+      <p:sp>
+        <p:nvSpPr>
+          <p:cNvPr id="47" name="文本框 46"/>
+          <p:cNvSpPr txBox="1"/>
+          <p:nvPr/>
+        </p:nvSpPr>
+        <p:spPr>
+          <a:xfrm>
+            <a:off x="1100455" y="6085840"/>
+            <a:ext cx="8999855" cy="645160"/>
+          </a:xfrm>
+          <a:prstGeom prst="rect">
+            <a:avLst/>
+          </a:prstGeom>
+          <a:noFill/>
+        </p:spPr>
+        <p:txBody>
+          <a:bodyPr wrap="square" rtlCol="0">
+            <a:spAutoFit/>
+          </a:bodyPr>
+          <a:p>
+            <a:r>
+              <a:rPr lang="zh-CN" altLang="en-US">
+                <a:latin typeface="微软雅黑" charset="0"/>
+                <a:ea typeface="微软雅黑" charset="0"/>
+                <a:cs typeface="微软雅黑" charset="0"/>
+              </a:rPr>
+              <a:t>基本架构方案同方案一，但是全部系统部署在云上。由于场景是毕设，短时间租用资源，用完即释放，可大大节省成本。</a:t>
+            </a:r>
+            <a:endParaRPr lang="zh-CN" altLang="en-US">
+              <a:latin typeface="微软雅黑" charset="0"/>
+              <a:ea typeface="微软雅黑" charset="0"/>
+              <a:cs typeface="微软雅黑" charset="0"/>
+            </a:endParaRPr>
+          </a:p>
+        </p:txBody>
+      </p:sp>
+      <p:sp>
+        <p:nvSpPr>
+          <p:cNvPr id="50" name="文本框 49"/>
+          <p:cNvSpPr txBox="1"/>
+          <p:nvPr/>
+        </p:nvSpPr>
+        <p:spPr>
+          <a:xfrm>
+            <a:off x="6500495" y="1556385"/>
+            <a:ext cx="5303520" cy="1476375"/>
+          </a:xfrm>
+          <a:prstGeom prst="rect">
+            <a:avLst/>
+          </a:prstGeom>
+          <a:noFill/>
+        </p:spPr>
+        <p:txBody>
+          <a:bodyPr wrap="square" rtlCol="0">
+            <a:spAutoFit/>
+          </a:bodyPr>
+          <a:p>
+            <a:endParaRPr lang="zh-CN" altLang="en-US">
+              <a:latin typeface="微软雅黑" charset="0"/>
+              <a:ea typeface="微软雅黑" charset="0"/>
+              <a:cs typeface="微软雅黑" charset="0"/>
+            </a:endParaRPr>
+          </a:p>
+          <a:p>
+            <a:r>
+              <a:rPr lang="zh-CN" altLang="en-US">
+                <a:latin typeface="微软雅黑" charset="0"/>
+                <a:ea typeface="微软雅黑" charset="0"/>
+                <a:cs typeface="微软雅黑" charset="0"/>
+              </a:rPr>
+              <a:t>优点：</a:t>
+            </a:r>
+            <a:r>
+              <a:rPr lang="zh-CN" altLang="en-US">
+                <a:latin typeface="微软雅黑" charset="0"/>
+                <a:ea typeface="微软雅黑" charset="0"/>
+                <a:cs typeface="微软雅黑" charset="0"/>
+                <a:sym typeface="+mn-ea"/>
+              </a:rPr>
+              <a:t>满足业数据高可用，数据高可用。且在毕设场景下可节省成本。</a:t>
+            </a:r>
+            <a:endParaRPr lang="zh-CN" altLang="en-US">
+              <a:latin typeface="微软雅黑" charset="0"/>
+              <a:ea typeface="微软雅黑" charset="0"/>
+              <a:cs typeface="微软雅黑" charset="0"/>
+            </a:endParaRPr>
+          </a:p>
+          <a:p>
+            <a:endParaRPr lang="zh-CN" altLang="en-US">
+              <a:latin typeface="微软雅黑" charset="0"/>
+              <a:ea typeface="微软雅黑" charset="0"/>
+              <a:cs typeface="微软雅黑" charset="0"/>
+            </a:endParaRPr>
+          </a:p>
+          <a:p>
+            <a:r>
+              <a:rPr lang="zh-CN" altLang="en-US">
+                <a:latin typeface="微软雅黑" charset="0"/>
+                <a:ea typeface="微软雅黑" charset="0"/>
+                <a:cs typeface="微软雅黑" charset="0"/>
+              </a:rPr>
+              <a:t>缺点：需要学习云产品特性和使用方法。</a:t>
+            </a:r>
+            <a:endParaRPr lang="zh-CN" altLang="en-US">
+              <a:latin typeface="微软雅黑" charset="0"/>
+              <a:ea typeface="微软雅黑" charset="0"/>
+              <a:cs typeface="微软雅黑" charset="0"/>
             </a:endParaRPr>
           </a:p>
         </p:txBody>
